--- a/Group 1 EDA Project DIGICAP.pptx
+++ b/Group 1 EDA Project DIGICAP.pptx
@@ -5,7 +5,7 @@
     <p:sldMasterId id="2147483648" r:id="rId2"/>
   </p:sldMasterIdLst>
   <p:notesMasterIdLst>
-    <p:notesMasterId r:id="rId19"/>
+    <p:notesMasterId r:id="rId20"/>
   </p:notesMasterIdLst>
   <p:sldIdLst>
     <p:sldId id="257" r:id="rId3"/>
@@ -23,7 +23,8 @@
     <p:sldId id="271" r:id="rId15"/>
     <p:sldId id="273" r:id="rId16"/>
     <p:sldId id="272" r:id="rId17"/>
-    <p:sldId id="260" r:id="rId18"/>
+    <p:sldId id="274" r:id="rId18"/>
+    <p:sldId id="260" r:id="rId19"/>
   </p:sldIdLst>
   <p:sldSz cx="12192000" cy="6858000"/>
   <p:notesSz cx="6858000" cy="9144000"/>
@@ -146,6 +147,7 @@
           <p14:sldIdLst>
             <p14:sldId id="273"/>
             <p14:sldId id="272"/>
+            <p14:sldId id="274"/>
             <p14:sldId id="260"/>
           </p14:sldIdLst>
         </p14:section>
@@ -1413,10 +1415,24 @@
         </dgm:presLayoutVars>
       </dgm:prSet>
       <dgm:spPr/>
+      <dgm:t>
+        <a:bodyPr/>
+        <a:lstStyle/>
+        <a:p>
+          <a:endParaRPr lang="en-US"/>
+        </a:p>
+      </dgm:t>
     </dgm:pt>
     <dgm:pt modelId="{6DFF9CF4-E841-47D3-A27E-BBFA2A0A0A03}" type="pres">
       <dgm:prSet presAssocID="{1911B9A2-4A95-4EA0-BC74-6F31E949017D}" presName="roof" presStyleLbl="dkBgShp" presStyleIdx="0" presStyleCnt="2" custLinFactNeighborX="-131" custLinFactNeighborY="13732"/>
       <dgm:spPr/>
+      <dgm:t>
+        <a:bodyPr/>
+        <a:lstStyle/>
+        <a:p>
+          <a:endParaRPr lang="en-US"/>
+        </a:p>
+      </dgm:t>
     </dgm:pt>
     <dgm:pt modelId="{4E00BCD6-3BD4-43AF-8FD5-E0793F9BE1EF}" type="pres">
       <dgm:prSet presAssocID="{1911B9A2-4A95-4EA0-BC74-6F31E949017D}" presName="pillars" presStyleCnt="0"/>
@@ -1429,6 +1445,13 @@
         </dgm:presLayoutVars>
       </dgm:prSet>
       <dgm:spPr/>
+      <dgm:t>
+        <a:bodyPr/>
+        <a:lstStyle/>
+        <a:p>
+          <a:endParaRPr lang="en-US"/>
+        </a:p>
+      </dgm:t>
     </dgm:pt>
     <dgm:pt modelId="{F01397B5-656A-4965-8AB8-E275B401E5F9}" type="pres">
       <dgm:prSet presAssocID="{BBD5B0C4-9B96-4A49-8798-E8601475724F}" presName="pillarX" presStyleLbl="node1" presStyleIdx="1" presStyleCnt="5">
@@ -1437,6 +1460,13 @@
         </dgm:presLayoutVars>
       </dgm:prSet>
       <dgm:spPr/>
+      <dgm:t>
+        <a:bodyPr/>
+        <a:lstStyle/>
+        <a:p>
+          <a:endParaRPr lang="en-US"/>
+        </a:p>
+      </dgm:t>
     </dgm:pt>
     <dgm:pt modelId="{32A2712B-0094-4015-A826-2CBAC37C79F9}" type="pres">
       <dgm:prSet presAssocID="{179985F1-E818-4E92-B83B-42F4CC370CC4}" presName="pillarX" presStyleLbl="node1" presStyleIdx="2" presStyleCnt="5">
@@ -1445,6 +1475,13 @@
         </dgm:presLayoutVars>
       </dgm:prSet>
       <dgm:spPr/>
+      <dgm:t>
+        <a:bodyPr/>
+        <a:lstStyle/>
+        <a:p>
+          <a:endParaRPr lang="en-US"/>
+        </a:p>
+      </dgm:t>
     </dgm:pt>
     <dgm:pt modelId="{1EDE6D10-44A0-4F7C-BA1E-679FE9FFB164}" type="pres">
       <dgm:prSet presAssocID="{C8147509-7AC2-4B4E-A709-07E417F56E8D}" presName="pillarX" presStyleLbl="node1" presStyleIdx="3" presStyleCnt="5">
@@ -1453,6 +1490,13 @@
         </dgm:presLayoutVars>
       </dgm:prSet>
       <dgm:spPr/>
+      <dgm:t>
+        <a:bodyPr/>
+        <a:lstStyle/>
+        <a:p>
+          <a:endParaRPr lang="en-US"/>
+        </a:p>
+      </dgm:t>
     </dgm:pt>
     <dgm:pt modelId="{1F882443-8F66-4377-A637-041B89B48E9A}" type="pres">
       <dgm:prSet presAssocID="{F8ADD088-D142-467B-B2E8-A00DFD524B79}" presName="pillarX" presStyleLbl="node1" presStyleIdx="4" presStyleCnt="5">
@@ -1469,6 +1513,13 @@
           <a:avLst/>
         </a:prstGeom>
       </dgm:spPr>
+      <dgm:t>
+        <a:bodyPr/>
+        <a:lstStyle/>
+        <a:p>
+          <a:endParaRPr lang="en-US"/>
+        </a:p>
+      </dgm:t>
     </dgm:pt>
     <dgm:pt modelId="{B8CA69AD-A3E1-4383-B729-EE352676738D}" type="pres">
       <dgm:prSet presAssocID="{1911B9A2-4A95-4EA0-BC74-6F31E949017D}" presName="base" presStyleLbl="dkBgShp" presStyleIdx="1" presStyleCnt="2" custLinFactY="53000" custLinFactNeighborX="-13976" custLinFactNeighborY="100000"/>
@@ -1513,19 +1564,19 @@
     </dgm:pt>
   </dgm:ptLst>
   <dgm:cxnLst>
+    <dgm:cxn modelId="{2CE102C1-AB30-47D0-9E12-2C219A9EE641}" type="presOf" srcId="{F8ADD088-D142-467B-B2E8-A00DFD524B79}" destId="{1F882443-8F66-4377-A637-041B89B48E9A}" srcOrd="0" destOrd="0" presId="urn:microsoft.com/office/officeart/2005/8/layout/hList3"/>
+    <dgm:cxn modelId="{1458DE02-E2A1-4769-9F73-3FA48FADEB28}" type="presOf" srcId="{179985F1-E818-4E92-B83B-42F4CC370CC4}" destId="{32A2712B-0094-4015-A826-2CBAC37C79F9}" srcOrd="0" destOrd="0" presId="urn:microsoft.com/office/officeart/2005/8/layout/hList3"/>
     <dgm:cxn modelId="{CB752700-82A3-4C49-9382-0FE284C34F5F}" srcId="{1911B9A2-4A95-4EA0-BC74-6F31E949017D}" destId="{865D3FCF-D7EB-4DE7-ACB2-1DCF50A35FFC}" srcOrd="0" destOrd="0" parTransId="{84529246-7D07-43C5-AA3F-961F64CD0FEB}" sibTransId="{80761700-8764-4517-9DD5-C2CA2F13BEBF}"/>
-    <dgm:cxn modelId="{1458DE02-E2A1-4769-9F73-3FA48FADEB28}" type="presOf" srcId="{179985F1-E818-4E92-B83B-42F4CC370CC4}" destId="{32A2712B-0094-4015-A826-2CBAC37C79F9}" srcOrd="0" destOrd="0" presId="urn:microsoft.com/office/officeart/2005/8/layout/hList3"/>
     <dgm:cxn modelId="{2AEF7208-ACC9-4C4D-86E2-8090F9436A8A}" type="presOf" srcId="{865D3FCF-D7EB-4DE7-ACB2-1DCF50A35FFC}" destId="{BE11355B-A9C5-4BB3-9EA8-1CB554376020}" srcOrd="0" destOrd="0" presId="urn:microsoft.com/office/officeart/2005/8/layout/hList3"/>
+    <dgm:cxn modelId="{1DA82854-14BD-4E32-B2BD-AAC55AD3B97B}" type="presOf" srcId="{2A70322A-9A7B-4E9A-8607-3F54EB9A106C}" destId="{65713C3B-08C5-4228-AE66-84530B4BCE1F}" srcOrd="0" destOrd="0" presId="urn:microsoft.com/office/officeart/2005/8/layout/hList3"/>
+    <dgm:cxn modelId="{236A746C-0510-43A5-B5FB-00EF6FB8975E}" srcId="{1911B9A2-4A95-4EA0-BC74-6F31E949017D}" destId="{BBD5B0C4-9B96-4A49-8798-E8601475724F}" srcOrd="1" destOrd="0" parTransId="{BE80CF00-7BFE-4635-A769-A0A736D9AC79}" sibTransId="{E9C0BE56-C85B-48EB-8695-8C77B3C0FF06}"/>
+    <dgm:cxn modelId="{4C3AE5D4-76E6-425B-A79A-C019996F0D54}" type="presOf" srcId="{1911B9A2-4A95-4EA0-BC74-6F31E949017D}" destId="{6DFF9CF4-E841-47D3-A27E-BBFA2A0A0A03}" srcOrd="0" destOrd="0" presId="urn:microsoft.com/office/officeart/2005/8/layout/hList3"/>
+    <dgm:cxn modelId="{825A85F0-5715-4F87-B7C4-39DE648BAC1A}" srcId="{2A70322A-9A7B-4E9A-8607-3F54EB9A106C}" destId="{1911B9A2-4A95-4EA0-BC74-6F31E949017D}" srcOrd="0" destOrd="0" parTransId="{2FB347D7-B0A9-41D7-9B5F-73EC5A7D542B}" sibTransId="{63AADE99-764A-4193-BACF-FBABBA47BF3D}"/>
+    <dgm:cxn modelId="{54A603DF-D18C-445C-9503-EC5E3F3B8574}" type="presOf" srcId="{C8147509-7AC2-4B4E-A709-07E417F56E8D}" destId="{1EDE6D10-44A0-4F7C-BA1E-679FE9FFB164}" srcOrd="0" destOrd="0" presId="urn:microsoft.com/office/officeart/2005/8/layout/hList3"/>
+    <dgm:cxn modelId="{41BF4466-5D8F-44EF-9044-CD87ADFE81DF}" srcId="{1911B9A2-4A95-4EA0-BC74-6F31E949017D}" destId="{C8147509-7AC2-4B4E-A709-07E417F56E8D}" srcOrd="3" destOrd="0" parTransId="{1533EFF6-3587-4DCF-9B96-44EE48FC9958}" sibTransId="{EE23F318-1CB6-4860-8A9A-A6A22176A01E}"/>
+    <dgm:cxn modelId="{BCF3B6F7-8B05-4E7A-82E9-EB6EF2CDC93E}" type="presOf" srcId="{BBD5B0C4-9B96-4A49-8798-E8601475724F}" destId="{F01397B5-656A-4965-8AB8-E275B401E5F9}" srcOrd="0" destOrd="0" presId="urn:microsoft.com/office/officeart/2005/8/layout/hList3"/>
     <dgm:cxn modelId="{9292D614-9404-4B2A-9060-4FF492C27A67}" srcId="{1911B9A2-4A95-4EA0-BC74-6F31E949017D}" destId="{179985F1-E818-4E92-B83B-42F4CC370CC4}" srcOrd="2" destOrd="0" parTransId="{D4CE670A-4109-40D6-937E-0D79A113E86B}" sibTransId="{95651189-7EED-45E6-B91E-E4455C50D046}"/>
-    <dgm:cxn modelId="{41BF4466-5D8F-44EF-9044-CD87ADFE81DF}" srcId="{1911B9A2-4A95-4EA0-BC74-6F31E949017D}" destId="{C8147509-7AC2-4B4E-A709-07E417F56E8D}" srcOrd="3" destOrd="0" parTransId="{1533EFF6-3587-4DCF-9B96-44EE48FC9958}" sibTransId="{EE23F318-1CB6-4860-8A9A-A6A22176A01E}"/>
-    <dgm:cxn modelId="{236A746C-0510-43A5-B5FB-00EF6FB8975E}" srcId="{1911B9A2-4A95-4EA0-BC74-6F31E949017D}" destId="{BBD5B0C4-9B96-4A49-8798-E8601475724F}" srcOrd="1" destOrd="0" parTransId="{BE80CF00-7BFE-4635-A769-A0A736D9AC79}" sibTransId="{E9C0BE56-C85B-48EB-8695-8C77B3C0FF06}"/>
-    <dgm:cxn modelId="{1DA82854-14BD-4E32-B2BD-AAC55AD3B97B}" type="presOf" srcId="{2A70322A-9A7B-4E9A-8607-3F54EB9A106C}" destId="{65713C3B-08C5-4228-AE66-84530B4BCE1F}" srcOrd="0" destOrd="0" presId="urn:microsoft.com/office/officeart/2005/8/layout/hList3"/>
-    <dgm:cxn modelId="{2CE102C1-AB30-47D0-9E12-2C219A9EE641}" type="presOf" srcId="{F8ADD088-D142-467B-B2E8-A00DFD524B79}" destId="{1F882443-8F66-4377-A637-041B89B48E9A}" srcOrd="0" destOrd="0" presId="urn:microsoft.com/office/officeart/2005/8/layout/hList3"/>
-    <dgm:cxn modelId="{4C3AE5D4-76E6-425B-A79A-C019996F0D54}" type="presOf" srcId="{1911B9A2-4A95-4EA0-BC74-6F31E949017D}" destId="{6DFF9CF4-E841-47D3-A27E-BBFA2A0A0A03}" srcOrd="0" destOrd="0" presId="urn:microsoft.com/office/officeart/2005/8/layout/hList3"/>
     <dgm:cxn modelId="{867771DB-2C51-4C89-B802-5DD18090D5E5}" srcId="{1911B9A2-4A95-4EA0-BC74-6F31E949017D}" destId="{F8ADD088-D142-467B-B2E8-A00DFD524B79}" srcOrd="4" destOrd="0" parTransId="{855F6DAE-9F5C-4B7D-B414-DF091C3B6C17}" sibTransId="{3783906E-4508-4544-9DEF-5C4CB1CADE0E}"/>
-    <dgm:cxn modelId="{54A603DF-D18C-445C-9503-EC5E3F3B8574}" type="presOf" srcId="{C8147509-7AC2-4B4E-A709-07E417F56E8D}" destId="{1EDE6D10-44A0-4F7C-BA1E-679FE9FFB164}" srcOrd="0" destOrd="0" presId="urn:microsoft.com/office/officeart/2005/8/layout/hList3"/>
-    <dgm:cxn modelId="{825A85F0-5715-4F87-B7C4-39DE648BAC1A}" srcId="{2A70322A-9A7B-4E9A-8607-3F54EB9A106C}" destId="{1911B9A2-4A95-4EA0-BC74-6F31E949017D}" srcOrd="0" destOrd="0" parTransId="{2FB347D7-B0A9-41D7-9B5F-73EC5A7D542B}" sibTransId="{63AADE99-764A-4193-BACF-FBABBA47BF3D}"/>
-    <dgm:cxn modelId="{BCF3B6F7-8B05-4E7A-82E9-EB6EF2CDC93E}" type="presOf" srcId="{BBD5B0C4-9B96-4A49-8798-E8601475724F}" destId="{F01397B5-656A-4965-8AB8-E275B401E5F9}" srcOrd="0" destOrd="0" presId="urn:microsoft.com/office/officeart/2005/8/layout/hList3"/>
     <dgm:cxn modelId="{F418E0F6-5FBF-4584-8F8E-436E697A1552}" type="presParOf" srcId="{65713C3B-08C5-4228-AE66-84530B4BCE1F}" destId="{6DFF9CF4-E841-47D3-A27E-BBFA2A0A0A03}" srcOrd="0" destOrd="0" presId="urn:microsoft.com/office/officeart/2005/8/layout/hList3"/>
     <dgm:cxn modelId="{516C0787-B38C-461B-A757-00749822A1A6}" type="presParOf" srcId="{65713C3B-08C5-4228-AE66-84530B4BCE1F}" destId="{4E00BCD6-3BD4-43AF-8FD5-E0793F9BE1EF}" srcOrd="1" destOrd="0" presId="urn:microsoft.com/office/officeart/2005/8/layout/hList3"/>
     <dgm:cxn modelId="{5570A4B9-410F-4F61-AFC4-37643A450ABC}" type="presParOf" srcId="{4E00BCD6-3BD4-43AF-8FD5-E0793F9BE1EF}" destId="{BE11355B-A9C5-4BB3-9EA8-1CB554376020}" srcOrd="0" destOrd="0" presId="urn:microsoft.com/office/officeart/2005/8/layout/hList3"/>
@@ -1622,7 +1673,7 @@
         </a:bodyPr>
         <a:lstStyle/>
         <a:p>
-          <a:pPr marL="0" lvl="0" indent="0" algn="ctr" defTabSz="2889250">
+          <a:pPr lvl="0" algn="ctr" defTabSz="2889250">
             <a:lnSpc>
               <a:spcPct val="90000"/>
             </a:lnSpc>
@@ -1632,7 +1683,6 @@
             <a:spcAft>
               <a:spcPct val="35000"/>
             </a:spcAft>
-            <a:buNone/>
           </a:pPr>
           <a:r>
             <a:rPr lang="en-US" sz="6500" kern="1200" dirty="0"/>
@@ -1718,7 +1768,7 @@
         </a:bodyPr>
         <a:lstStyle/>
         <a:p>
-          <a:pPr marL="0" lvl="0" indent="0" algn="ctr" defTabSz="1511300">
+          <a:pPr lvl="0" algn="ctr" defTabSz="1511300">
             <a:lnSpc>
               <a:spcPct val="90000"/>
             </a:lnSpc>
@@ -1728,7 +1778,6 @@
             <a:spcAft>
               <a:spcPct val="35000"/>
             </a:spcAft>
-            <a:buNone/>
           </a:pPr>
           <a:r>
             <a:rPr lang="en-US" sz="3400" kern="1200" dirty="0"/>
@@ -1814,7 +1863,7 @@
         </a:bodyPr>
         <a:lstStyle/>
         <a:p>
-          <a:pPr marL="0" lvl="0" indent="0" algn="ctr" defTabSz="1511300">
+          <a:pPr lvl="0" algn="ctr" defTabSz="1511300">
             <a:lnSpc>
               <a:spcPct val="90000"/>
             </a:lnSpc>
@@ -1824,7 +1873,6 @@
             <a:spcAft>
               <a:spcPct val="35000"/>
             </a:spcAft>
-            <a:buNone/>
           </a:pPr>
           <a:r>
             <a:rPr lang="en-US" sz="3400" kern="1200" dirty="0"/>
@@ -1910,7 +1958,7 @@
         </a:bodyPr>
         <a:lstStyle/>
         <a:p>
-          <a:pPr marL="0" lvl="0" indent="0" algn="ctr" defTabSz="1511300">
+          <a:pPr lvl="0" algn="ctr" defTabSz="1511300">
             <a:lnSpc>
               <a:spcPct val="90000"/>
             </a:lnSpc>
@@ -1920,7 +1968,6 @@
             <a:spcAft>
               <a:spcPct val="35000"/>
             </a:spcAft>
-            <a:buNone/>
           </a:pPr>
           <a:r>
             <a:rPr lang="en-US" sz="3400" kern="1200" dirty="0"/>
@@ -2006,7 +2053,7 @@
         </a:bodyPr>
         <a:lstStyle/>
         <a:p>
-          <a:pPr marL="0" lvl="0" indent="0" algn="ctr" defTabSz="1511300">
+          <a:pPr lvl="0" algn="ctr" defTabSz="1511300">
             <a:lnSpc>
               <a:spcPct val="90000"/>
             </a:lnSpc>
@@ -2016,7 +2063,6 @@
             <a:spcAft>
               <a:spcPct val="35000"/>
             </a:spcAft>
-            <a:buNone/>
           </a:pPr>
           <a:r>
             <a:rPr lang="en-US" sz="3400" kern="1200" dirty="0"/>
@@ -2101,7 +2147,7 @@
         </a:bodyPr>
         <a:lstStyle/>
         <a:p>
-          <a:pPr marL="0" lvl="0" indent="0" algn="ctr" defTabSz="1511300">
+          <a:pPr lvl="0" algn="ctr" defTabSz="1511300">
             <a:lnSpc>
               <a:spcPct val="90000"/>
             </a:lnSpc>
@@ -2111,7 +2157,6 @@
             <a:spcAft>
               <a:spcPct val="35000"/>
             </a:spcAft>
-            <a:buNone/>
           </a:pPr>
           <a:r>
             <a:rPr lang="en-US" sz="3400" kern="1200" dirty="0">
@@ -4078,7 +4123,7 @@
           <a:graphicData uri="http://schemas.openxmlformats.org/presentationml/2006/ole">
             <mc:AlternateContent xmlns:mc="http://schemas.openxmlformats.org/markup-compatibility/2006">
               <mc:Choice xmlns:v="urn:schemas-microsoft-com:vml" Requires="v">
-                <p:oleObj spid="_x0000_s5181" name="think-cell Slide" r:id="rId4" imgW="378" imgH="377" progId="TCLayout.ActiveDocument.1">
+                <p:oleObj spid="_x0000_s5193" name="think-cell Slide" r:id="rId4" imgW="378" imgH="377" progId="TCLayout.ActiveDocument.1">
                   <p:embed/>
                 </p:oleObj>
               </mc:Choice>
@@ -4835,7 +4880,7 @@
           <a:graphicData uri="http://schemas.openxmlformats.org/presentationml/2006/ole">
             <mc:AlternateContent xmlns:mc="http://schemas.openxmlformats.org/markup-compatibility/2006">
               <mc:Choice xmlns:v="urn:schemas-microsoft-com:vml" Requires="v">
-                <p:oleObj spid="_x0000_s4157" name="think-cell Slide" r:id="rId5" imgW="378" imgH="377" progId="TCLayout.ActiveDocument.1">
+                <p:oleObj spid="_x0000_s4169" name="think-cell Slide" r:id="rId5" imgW="378" imgH="377" progId="TCLayout.ActiveDocument.1">
                   <p:embed/>
                 </p:oleObj>
               </mc:Choice>
@@ -6399,7 +6444,9 @@
     <p:bg>
       <p:bgPr>
         <a:solidFill>
-          <a:srgbClr val="205B7C"/>
+          <a:schemeClr val="bg2">
+            <a:lumMod val="50000"/>
+          </a:schemeClr>
         </a:solidFill>
         <a:effectLst/>
       </p:bgPr>
@@ -6438,7 +6485,7 @@
           <a:graphicData uri="http://schemas.openxmlformats.org/presentationml/2006/ole">
             <mc:AlternateContent xmlns:mc="http://schemas.openxmlformats.org/markup-compatibility/2006">
               <mc:Choice xmlns:v="urn:schemas-microsoft-com:vml" Requires="v">
-                <p:oleObj spid="_x0000_s6205" name="think-cell Slide" r:id="rId5" imgW="378" imgH="377" progId="TCLayout.ActiveDocument.1">
+                <p:oleObj spid="_x0000_s6217" name="think-cell Slide" r:id="rId5" imgW="378" imgH="377" progId="TCLayout.ActiveDocument.1">
                   <p:embed/>
                 </p:oleObj>
               </mc:Choice>
@@ -7157,6 +7204,16 @@
 <file path=ppt/slides/slide10.xml><?xml version="1.0" encoding="utf-8"?>
 <p:sld xmlns:a="http://schemas.openxmlformats.org/drawingml/2006/main" xmlns:r="http://schemas.openxmlformats.org/officeDocument/2006/relationships" xmlns:p="http://schemas.openxmlformats.org/presentationml/2006/main">
   <p:cSld>
+    <p:bg>
+      <p:bgPr>
+        <a:solidFill>
+          <a:schemeClr val="bg2">
+            <a:lumMod val="50000"/>
+          </a:schemeClr>
+        </a:solidFill>
+        <a:effectLst/>
+      </p:bgPr>
+    </p:bg>
     <p:spTree>
       <p:nvGrpSpPr>
         <p:cNvPr id="1" name=""/>
@@ -7592,8 +7649,39 @@
                 <a:latin typeface="Times New Roman" panose="02020603050405020304" pitchFamily="18" charset="0"/>
                 <a:cs typeface="Times New Roman" panose="02020603050405020304" pitchFamily="18" charset="0"/>
               </a:rPr>
-              <a:t>We also saw that there is a negative relationship between the percentage of cocoa in  a chocolate and the rating assigned to that chocolate bar. This means that other factors influenced the rating. The </a:t>
+              <a:t>We also saw that there is a negative relationship between the percentage of cocoa in  a chocolate and the rating assigned to that chocolate bar. This means that other factors influenced the rating</a:t>
             </a:r>
+            <a:r>
+              <a:rPr lang="en-US" sz="2400" dirty="0" smtClean="0">
+                <a:solidFill>
+                  <a:srgbClr val="03EF03"/>
+                </a:solidFill>
+                <a:effectLst>
+                  <a:outerShdw blurRad="38100" dist="38100" dir="2700000" algn="tl">
+                    <a:srgbClr val="000000">
+                      <a:alpha val="43137"/>
+                    </a:srgbClr>
+                  </a:outerShdw>
+                </a:effectLst>
+                <a:latin typeface="Times New Roman" panose="02020603050405020304" pitchFamily="18" charset="0"/>
+                <a:cs typeface="Times New Roman" panose="02020603050405020304" pitchFamily="18" charset="0"/>
+              </a:rPr>
+              <a:t>. The </a:t>
+            </a:r>
+            <a:endParaRPr lang="en-US" sz="2400" dirty="0">
+              <a:solidFill>
+                <a:srgbClr val="03EF03"/>
+              </a:solidFill>
+              <a:effectLst>
+                <a:outerShdw blurRad="38100" dist="38100" dir="2700000" algn="tl">
+                  <a:srgbClr val="000000">
+                    <a:alpha val="43137"/>
+                  </a:srgbClr>
+                </a:outerShdw>
+              </a:effectLst>
+              <a:latin typeface="Times New Roman" panose="02020603050405020304" pitchFamily="18" charset="0"/>
+              <a:cs typeface="Times New Roman" panose="02020603050405020304" pitchFamily="18" charset="0"/>
+            </a:endParaRPr>
           </a:p>
           <a:p>
             <a:pPr marL="146050" indent="0"/>
@@ -7674,6 +7762,16 @@
 <file path=ppt/slides/slide11.xml><?xml version="1.0" encoding="utf-8"?>
 <p:sld xmlns:a="http://schemas.openxmlformats.org/drawingml/2006/main" xmlns:r="http://schemas.openxmlformats.org/officeDocument/2006/relationships" xmlns:p="http://schemas.openxmlformats.org/presentationml/2006/main">
   <p:cSld>
+    <p:bg>
+      <p:bgPr>
+        <a:solidFill>
+          <a:schemeClr val="bg2">
+            <a:lumMod val="50000"/>
+          </a:schemeClr>
+        </a:solidFill>
+        <a:effectLst/>
+      </p:bgPr>
+    </p:bg>
     <p:spTree>
       <p:nvGrpSpPr>
         <p:cNvPr id="1" name=""/>
@@ -8171,6 +8269,16 @@
 <file path=ppt/slides/slide12.xml><?xml version="1.0" encoding="utf-8"?>
 <p:sld xmlns:a="http://schemas.openxmlformats.org/drawingml/2006/main" xmlns:r="http://schemas.openxmlformats.org/officeDocument/2006/relationships" xmlns:p="http://schemas.openxmlformats.org/presentationml/2006/main">
   <p:cSld>
+    <p:bg>
+      <p:bgPr>
+        <a:solidFill>
+          <a:schemeClr val="bg2">
+            <a:lumMod val="50000"/>
+          </a:schemeClr>
+        </a:solidFill>
+        <a:effectLst/>
+      </p:bgPr>
+    </p:bg>
     <p:spTree>
       <p:nvGrpSpPr>
         <p:cNvPr id="1" name=""/>
@@ -8486,8 +8594,8 @@
         </p:blipFill>
         <p:spPr>
           <a:xfrm>
-            <a:off x="-73899" y="618978"/>
-            <a:ext cx="7407602" cy="5860928"/>
+            <a:off x="13363" y="560857"/>
+            <a:ext cx="7996827" cy="6103779"/>
           </a:xfrm>
           <a:prstGeom prst="rect">
             <a:avLst/>
@@ -8511,7 +8619,7 @@
         </p:nvSpPr>
         <p:spPr>
           <a:xfrm>
-            <a:off x="7481455" y="2022764"/>
+            <a:off x="8086192" y="1642379"/>
             <a:ext cx="4031672" cy="3158836"/>
           </a:xfrm>
           <a:prstGeom prst="roundRect">
@@ -8575,6 +8683,16 @@
 <file path=ppt/slides/slide13.xml><?xml version="1.0" encoding="utf-8"?>
 <p:sld xmlns:a="http://schemas.openxmlformats.org/drawingml/2006/main" xmlns:r="http://schemas.openxmlformats.org/officeDocument/2006/relationships" xmlns:p="http://schemas.openxmlformats.org/presentationml/2006/main">
   <p:cSld>
+    <p:bg>
+      <p:bgPr>
+        <a:solidFill>
+          <a:schemeClr val="bg2">
+            <a:lumMod val="50000"/>
+          </a:schemeClr>
+        </a:solidFill>
+        <a:effectLst/>
+      </p:bgPr>
+    </p:bg>
     <p:spTree>
       <p:nvGrpSpPr>
         <p:cNvPr id="1" name=""/>
@@ -8950,7 +9068,31 @@
                 <a:latin typeface="Times New Roman" panose="02020603050405020304" pitchFamily="18" charset="0"/>
                 <a:cs typeface="Times New Roman" panose="02020603050405020304" pitchFamily="18" charset="0"/>
               </a:rPr>
-              <a:t>The movement of the line graph indicates that cocoa processing companies varying the amount of the cacao in chocolates.</a:t>
+              <a:t>The movement of the line graph indicates that cocoa processing companies </a:t>
+            </a:r>
+            <a:r>
+              <a:rPr lang="en-US" sz="2400" dirty="0" smtClean="0">
+                <a:solidFill>
+                  <a:schemeClr val="accent4">
+                    <a:lumMod val="50000"/>
+                  </a:schemeClr>
+                </a:solidFill>
+                <a:latin typeface="Times New Roman" panose="02020603050405020304" pitchFamily="18" charset="0"/>
+                <a:cs typeface="Times New Roman" panose="02020603050405020304" pitchFamily="18" charset="0"/>
+              </a:rPr>
+              <a:t>vary </a:t>
+            </a:r>
+            <a:r>
+              <a:rPr lang="en-US" sz="2400" dirty="0">
+                <a:solidFill>
+                  <a:schemeClr val="accent4">
+                    <a:lumMod val="50000"/>
+                  </a:schemeClr>
+                </a:solidFill>
+                <a:latin typeface="Times New Roman" panose="02020603050405020304" pitchFamily="18" charset="0"/>
+                <a:cs typeface="Times New Roman" panose="02020603050405020304" pitchFamily="18" charset="0"/>
+              </a:rPr>
+              <a:t>the amount of the cacao in chocolates.</a:t>
             </a:r>
           </a:p>
           <a:p>
@@ -9032,6 +9174,16 @@
 <file path=ppt/slides/slide14.xml><?xml version="1.0" encoding="utf-8"?>
 <p:sld xmlns:a="http://schemas.openxmlformats.org/drawingml/2006/main" xmlns:r="http://schemas.openxmlformats.org/officeDocument/2006/relationships" xmlns:p="http://schemas.openxmlformats.org/presentationml/2006/main">
   <p:cSld>
+    <p:bg>
+      <p:bgPr>
+        <a:solidFill>
+          <a:schemeClr val="bg2">
+            <a:lumMod val="50000"/>
+          </a:schemeClr>
+        </a:solidFill>
+        <a:effectLst/>
+      </p:bgPr>
+    </p:bg>
     <p:spTree>
       <p:nvGrpSpPr>
         <p:cNvPr id="1" name=""/>
@@ -9064,8 +9216,8 @@
         </p:nvSpPr>
         <p:spPr>
           <a:xfrm>
-            <a:off x="262400" y="181999"/>
-            <a:ext cx="5833600" cy="589519"/>
+            <a:off x="262400" y="211263"/>
+            <a:ext cx="8462151" cy="712792"/>
           </a:xfrm>
         </p:spPr>
         <p:txBody>
@@ -9074,8 +9226,16 @@
           <a:p>
             <a:r>
               <a:rPr lang="en-US" dirty="0"/>
-              <a:t>TOP 10 COMPANIES AND THEIR COUNTIES</a:t>
+              <a:t>TOP 10 COMPANIES AND </a:t>
             </a:r>
+            <a:r>
+              <a:rPr lang="en-US" dirty="0" smtClean="0"/>
+              <a:t>THEIR COUNTRIES</a:t>
+            </a:r>
+            <a:br>
+              <a:rPr lang="en-US" dirty="0" smtClean="0"/>
+            </a:br>
+            <a:endParaRPr lang="en-US" dirty="0"/>
           </a:p>
         </p:txBody>
       </p:sp>
@@ -9131,14 +9291,14 @@
           <p:nvPr>
             <p:extLst>
               <p:ext uri="{D42A27DB-BD31-4B8C-83A1-F6EECF244321}">
-                <p14:modId xmlns:p14="http://schemas.microsoft.com/office/powerpoint/2010/main" val="3262697797"/>
+                <p14:modId xmlns:p14="http://schemas.microsoft.com/office/powerpoint/2010/main" val="2686057801"/>
               </p:ext>
             </p:extLst>
           </p:nvPr>
         </p:nvGraphicFramePr>
         <p:xfrm>
-          <a:off x="512689" y="1223891"/>
-          <a:ext cx="8349957" cy="4420367"/>
+          <a:off x="193906" y="686995"/>
+          <a:ext cx="11131231" cy="5989006"/>
         </p:xfrm>
         <a:graphic>
           <a:graphicData uri="http://schemas.openxmlformats.org/drawingml/2006/table">
@@ -9147,21 +9307,21 @@
                 <a:tableStyleId>{5C22544A-7EE6-4342-B048-85BDC9FD1C3A}</a:tableStyleId>
               </a:tblPr>
               <a:tblGrid>
-                <a:gridCol w="3462021">
+                <a:gridCol w="4615180">
                   <a:extLst>
                     <a:ext uri="{9D8B030D-6E8A-4147-A177-3AD203B41FA5}">
                       <a16:colId xmlns:a16="http://schemas.microsoft.com/office/drawing/2014/main" val="1850336098"/>
                     </a:ext>
                   </a:extLst>
                 </a:gridCol>
-                <a:gridCol w="2104618">
+                <a:gridCol w="2805642">
                   <a:extLst>
                     <a:ext uri="{9D8B030D-6E8A-4147-A177-3AD203B41FA5}">
                       <a16:colId xmlns:a16="http://schemas.microsoft.com/office/drawing/2014/main" val="4223915094"/>
                     </a:ext>
                   </a:extLst>
                 </a:gridCol>
-                <a:gridCol w="2783318">
+                <a:gridCol w="3710409">
                   <a:extLst>
                     <a:ext uri="{9D8B030D-6E8A-4147-A177-3AD203B41FA5}">
                       <a16:colId xmlns:a16="http://schemas.microsoft.com/office/drawing/2014/main" val="3193155075"/>
@@ -9169,7 +9329,7 @@
                   </a:extLst>
                 </a:gridCol>
               </a:tblGrid>
-              <a:tr h="569671">
+              <a:tr h="894926">
                 <a:tc>
                   <a:txBody>
                     <a:bodyPr/>
@@ -9215,7 +9375,7 @@
                   </a:ext>
                 </a:extLst>
               </a:tr>
-              <a:tr h="324267">
+              <a:tr h="509408">
                 <a:tc>
                   <a:txBody>
                     <a:bodyPr/>
@@ -9261,7 +9421,7 @@
                   </a:ext>
                 </a:extLst>
               </a:tr>
-              <a:tr h="324267">
+              <a:tr h="509408">
                 <a:tc>
                   <a:txBody>
                     <a:bodyPr/>
@@ -9308,7 +9468,7 @@
                   </a:ext>
                 </a:extLst>
               </a:tr>
-              <a:tr h="324267">
+              <a:tr h="509408">
                 <a:tc>
                   <a:txBody>
                     <a:bodyPr/>
@@ -9354,7 +9514,7 @@
                   </a:ext>
                 </a:extLst>
               </a:tr>
-              <a:tr h="324267">
+              <a:tr h="509408">
                 <a:tc>
                   <a:txBody>
                     <a:bodyPr/>
@@ -9423,7 +9583,7 @@
                   </a:ext>
                 </a:extLst>
               </a:tr>
-              <a:tr h="324267">
+              <a:tr h="509408">
                 <a:tc>
                   <a:txBody>
                     <a:bodyPr/>
@@ -9488,7 +9648,7 @@
                   </a:ext>
                 </a:extLst>
               </a:tr>
-              <a:tr h="324267">
+              <a:tr h="509408">
                 <a:tc>
                   <a:txBody>
                     <a:bodyPr/>
@@ -9535,7 +9695,7 @@
                   </a:ext>
                 </a:extLst>
               </a:tr>
-              <a:tr h="324267">
+              <a:tr h="509408">
                 <a:tc>
                   <a:txBody>
                     <a:bodyPr/>
@@ -9585,7 +9745,7 @@
                   </a:ext>
                 </a:extLst>
               </a:tr>
-              <a:tr h="324267">
+              <a:tr h="509408">
                 <a:tc>
                   <a:txBody>
                     <a:bodyPr/>
@@ -9631,7 +9791,7 @@
                   </a:ext>
                 </a:extLst>
               </a:tr>
-              <a:tr h="324267">
+              <a:tr h="509408">
                 <a:tc>
                   <a:txBody>
                     <a:bodyPr/>
@@ -9677,7 +9837,7 @@
                   </a:ext>
                 </a:extLst>
               </a:tr>
-              <a:tr h="324267">
+              <a:tr h="509408">
                 <a:tc>
                   <a:txBody>
                     <a:bodyPr/>
@@ -9771,6 +9931,16 @@
 <file path=ppt/slides/slide15.xml><?xml version="1.0" encoding="utf-8"?>
 <p:sld xmlns:a="http://schemas.openxmlformats.org/drawingml/2006/main" xmlns:r="http://schemas.openxmlformats.org/officeDocument/2006/relationships" xmlns:p="http://schemas.openxmlformats.org/presentationml/2006/main">
   <p:cSld>
+    <p:bg>
+      <p:bgPr>
+        <a:solidFill>
+          <a:schemeClr val="bg2">
+            <a:lumMod val="50000"/>
+          </a:schemeClr>
+        </a:solidFill>
+        <a:effectLst/>
+      </p:bgPr>
+    </p:bg>
     <p:spTree>
       <p:nvGrpSpPr>
         <p:cNvPr id="1" name=""/>
@@ -10029,18 +10199,122 @@
         </p:nvSpPr>
         <p:spPr>
           <a:xfrm>
-            <a:off x="161606" y="868214"/>
-            <a:ext cx="11499273" cy="5611692"/>
+            <a:off x="318482" y="907611"/>
+            <a:ext cx="11207991" cy="4880793"/>
           </a:xfrm>
         </p:spPr>
         <p:txBody>
           <a:bodyPr/>
           <a:lstStyle/>
           <a:p>
-            <a:pPr marL="146050" indent="0"/>
+            <a:pPr marL="488950" indent="-342900">
+              <a:buClr>
+                <a:srgbClr val="FFFFFF"/>
+              </a:buClr>
+              <a:buSzPct val="54000"/>
+              <a:buFont typeface="Wingdings" panose="05000000000000000000" pitchFamily="2" charset="2"/>
+              <a:buChar char="v"/>
+            </a:pPr>
+            <a:r>
+              <a:rPr lang="en-GB" sz="2400" dirty="0" smtClean="0">
+                <a:solidFill>
+                  <a:srgbClr val="FFFFFF"/>
+                </a:solidFill>
+                <a:latin typeface="Times New Roman" panose="02020603050405020304" pitchFamily="18" charset="0"/>
+                <a:cs typeface="Times New Roman" panose="02020603050405020304" pitchFamily="18" charset="0"/>
+              </a:rPr>
+              <a:t>Majority of the chocolates were rated between 2.8 and 4.0, where 3.6 emerged  as the most rating</a:t>
+            </a:r>
+            <a:endParaRPr lang="en-GB" sz="2400" dirty="0" smtClean="0">
+              <a:solidFill>
+                <a:srgbClr val="FFFFFF"/>
+              </a:solidFill>
+              <a:latin typeface="Times New Roman" panose="02020603050405020304" pitchFamily="18" charset="0"/>
+              <a:cs typeface="Times New Roman" panose="02020603050405020304" pitchFamily="18" charset="0"/>
+            </a:endParaRPr>
+          </a:p>
+          <a:p>
+            <a:pPr marL="488950" indent="-342900">
+              <a:buClr>
+                <a:srgbClr val="FFFFFF"/>
+              </a:buClr>
+              <a:buSzPct val="54000"/>
+              <a:buFont typeface="Wingdings" panose="05000000000000000000" pitchFamily="2" charset="2"/>
+              <a:buChar char="v"/>
+            </a:pPr>
+            <a:r>
+              <a:rPr lang="en-GB" sz="2400" dirty="0" smtClean="0">
+                <a:solidFill>
+                  <a:srgbClr val="FFFFFF"/>
+                </a:solidFill>
+                <a:latin typeface="Times New Roman" panose="02020603050405020304" pitchFamily="18" charset="0"/>
+                <a:cs typeface="Times New Roman" panose="02020603050405020304" pitchFamily="18" charset="0"/>
+              </a:rPr>
+              <a:t>Companies in USA produced chocolates close to 800 bars for review making them the highest chocolate producing country compared to Germany that produced less than 100 bars for review, making them the least out of the top ten chosen</a:t>
+            </a:r>
+          </a:p>
+          <a:p>
+            <a:pPr marL="488950" indent="-342900">
+              <a:buClr>
+                <a:srgbClr val="FFFFFF"/>
+              </a:buClr>
+              <a:buSzPct val="54000"/>
+              <a:buFont typeface="Wingdings" panose="05000000000000000000" pitchFamily="2" charset="2"/>
+              <a:buChar char="v"/>
+            </a:pPr>
+            <a:r>
+              <a:rPr lang="en-GB" sz="2400" dirty="0" smtClean="0">
+                <a:solidFill>
+                  <a:srgbClr val="FFFFFF"/>
+                </a:solidFill>
+                <a:latin typeface="Times New Roman" panose="02020603050405020304" pitchFamily="18" charset="0"/>
+                <a:cs typeface="Times New Roman" panose="02020603050405020304" pitchFamily="18" charset="0"/>
+              </a:rPr>
+              <a:t>Out of the top 10 cocoa producing countries in the world, Venezuela contributed the most representing 18.53% with Belize contributing 4.24% being the least</a:t>
+            </a:r>
+          </a:p>
+          <a:p>
+            <a:pPr marL="488950" indent="-342900">
+              <a:buClr>
+                <a:srgbClr val="FFFFFF"/>
+              </a:buClr>
+              <a:buSzPct val="54000"/>
+              <a:buFont typeface="Wingdings" panose="05000000000000000000" pitchFamily="2" charset="2"/>
+              <a:buChar char="v"/>
+            </a:pPr>
+            <a:r>
+              <a:rPr lang="en-GB" sz="2400" dirty="0" smtClean="0">
+                <a:solidFill>
+                  <a:srgbClr val="FFFFFF"/>
+                </a:solidFill>
+                <a:latin typeface="Times New Roman" panose="02020603050405020304" pitchFamily="18" charset="0"/>
+                <a:cs typeface="Times New Roman" panose="02020603050405020304" pitchFamily="18" charset="0"/>
+              </a:rPr>
+              <a:t>The percentage of cocoa present in the chocolate bar did not affect the rating the experts gave</a:t>
+            </a:r>
+          </a:p>
+          <a:p>
+            <a:pPr marL="488950" indent="-342900">
+              <a:buClr>
+                <a:srgbClr val="FFFFFF"/>
+              </a:buClr>
+              <a:buSzPct val="54000"/>
+              <a:buFont typeface="Wingdings" panose="05000000000000000000" pitchFamily="2" charset="2"/>
+              <a:buChar char="v"/>
+            </a:pPr>
+            <a:r>
+              <a:rPr lang="en-GB" sz="2400" dirty="0" smtClean="0">
+                <a:solidFill>
+                  <a:srgbClr val="FFFFFF"/>
+                </a:solidFill>
+                <a:latin typeface="Times New Roman" panose="02020603050405020304" pitchFamily="18" charset="0"/>
+                <a:cs typeface="Times New Roman" panose="02020603050405020304" pitchFamily="18" charset="0"/>
+              </a:rPr>
+              <a:t>From the analysis drawn in terms of cocoa beans flow from its origin to the company’s location for chocolate production, most countries export majority of their cocoa beans to chocolate producing companies in USA </a:t>
+            </a:r>
             <a:endParaRPr lang="en-US" sz="2400" dirty="0">
               <a:solidFill>
-                <a:srgbClr val="03EF03"/>
+                <a:srgbClr val="FFFFFF"/>
               </a:solidFill>
               <a:latin typeface="Times New Roman" panose="02020603050405020304" pitchFamily="18" charset="0"/>
               <a:cs typeface="Times New Roman" panose="02020603050405020304" pitchFamily="18" charset="0"/>
@@ -10074,6 +10348,325 @@
 </file>
 
 <file path=ppt/slides/slide16.xml><?xml version="1.0" encoding="utf-8"?>
+<p:sld xmlns:a="http://schemas.openxmlformats.org/drawingml/2006/main" xmlns:r="http://schemas.openxmlformats.org/officeDocument/2006/relationships" xmlns:p="http://schemas.openxmlformats.org/presentationml/2006/main">
+  <p:cSld>
+    <p:bg>
+      <p:bgPr>
+        <a:solidFill>
+          <a:schemeClr val="bg2">
+            <a:lumMod val="50000"/>
+          </a:schemeClr>
+        </a:solidFill>
+        <a:effectLst/>
+      </p:bgPr>
+    </p:bg>
+    <p:spTree>
+      <p:nvGrpSpPr>
+        <p:cNvPr id="1" name=""/>
+        <p:cNvGrpSpPr/>
+        <p:nvPr/>
+      </p:nvGrpSpPr>
+      <p:grpSpPr>
+        <a:xfrm>
+          <a:off x="0" y="0"/>
+          <a:ext cx="0" cy="0"/>
+          <a:chOff x="0" y="0"/>
+          <a:chExt cx="0" cy="0"/>
+        </a:xfrm>
+      </p:grpSpPr>
+      <p:sp>
+        <p:nvSpPr>
+          <p:cNvPr id="2" name="Title 1"/>
+          <p:cNvSpPr>
+            <a:spLocks noGrp="1"/>
+          </p:cNvSpPr>
+          <p:nvPr>
+            <p:ph type="ctrTitle"/>
+          </p:nvPr>
+        </p:nvSpPr>
+        <p:spPr>
+          <a:xfrm>
+            <a:off x="192946" y="0"/>
+            <a:ext cx="8126791" cy="1023457"/>
+          </a:xfrm>
+        </p:spPr>
+        <p:txBody>
+          <a:bodyPr/>
+          <a:lstStyle/>
+          <a:p>
+            <a:r>
+              <a:rPr lang="en-GB" sz="4400" u="sng" dirty="0" smtClean="0">
+                <a:latin typeface="Times New Roman" panose="02020603050405020304" pitchFamily="18" charset="0"/>
+                <a:cs typeface="Times New Roman" panose="02020603050405020304" pitchFamily="18" charset="0"/>
+              </a:rPr>
+              <a:t>Conclusion</a:t>
+            </a:r>
+            <a:endParaRPr lang="en-US" sz="4400" u="sng" dirty="0">
+              <a:latin typeface="Times New Roman" panose="02020603050405020304" pitchFamily="18" charset="0"/>
+              <a:cs typeface="Times New Roman" panose="02020603050405020304" pitchFamily="18" charset="0"/>
+            </a:endParaRPr>
+          </a:p>
+        </p:txBody>
+      </p:sp>
+      <p:sp>
+        <p:nvSpPr>
+          <p:cNvPr id="3" name="Subtitle 2"/>
+          <p:cNvSpPr>
+            <a:spLocks noGrp="1"/>
+          </p:cNvSpPr>
+          <p:nvPr>
+            <p:ph type="subTitle" idx="1"/>
+          </p:nvPr>
+        </p:nvSpPr>
+        <p:spPr>
+          <a:xfrm>
+            <a:off x="268448" y="1023457"/>
+            <a:ext cx="11081857" cy="5603846"/>
+          </a:xfrm>
+        </p:spPr>
+        <p:txBody>
+          <a:bodyPr/>
+          <a:lstStyle/>
+          <a:p>
+            <a:pPr marL="488950" indent="-342900">
+              <a:buClr>
+                <a:srgbClr val="FFFFFF"/>
+              </a:buClr>
+              <a:buSzPct val="70000"/>
+              <a:buFont typeface="Wingdings" panose="05000000000000000000" pitchFamily="2" charset="2"/>
+              <a:buChar char="v"/>
+            </a:pPr>
+            <a:r>
+              <a:rPr lang="en-GB" sz="2400" dirty="0" smtClean="0">
+                <a:solidFill>
+                  <a:srgbClr val="FFFFFF"/>
+                </a:solidFill>
+                <a:latin typeface="Times New Roman" panose="02020603050405020304" pitchFamily="18" charset="0"/>
+                <a:cs typeface="Times New Roman" panose="02020603050405020304" pitchFamily="18" charset="0"/>
+              </a:rPr>
+              <a:t>With the top 10 chocolate producing companies, Soma from Canada had the highest number of chocolate bars rated with Hotel Chocolat</a:t>
+            </a:r>
+            <a:r>
+              <a:rPr lang="en-GB" sz="2400" dirty="0">
+                <a:solidFill>
+                  <a:srgbClr val="FFFFFF"/>
+                </a:solidFill>
+                <a:latin typeface="Times New Roman" panose="02020603050405020304" pitchFamily="18" charset="0"/>
+                <a:cs typeface="Times New Roman" panose="02020603050405020304" pitchFamily="18" charset="0"/>
+              </a:rPr>
+              <a:t> </a:t>
+            </a:r>
+            <a:r>
+              <a:rPr lang="en-GB" sz="2400" dirty="0" smtClean="0">
+                <a:solidFill>
+                  <a:srgbClr val="FFFFFF"/>
+                </a:solidFill>
+                <a:latin typeface="Times New Roman" panose="02020603050405020304" pitchFamily="18" charset="0"/>
+                <a:cs typeface="Times New Roman" panose="02020603050405020304" pitchFamily="18" charset="0"/>
+              </a:rPr>
+              <a:t>(Coppeneur) from UK had the least</a:t>
+            </a:r>
+          </a:p>
+          <a:p>
+            <a:pPr marL="488950" indent="-342900">
+              <a:buClr>
+                <a:srgbClr val="FFFFFF"/>
+              </a:buClr>
+              <a:buSzPct val="70000"/>
+              <a:buFont typeface="Wingdings" panose="05000000000000000000" pitchFamily="2" charset="2"/>
+              <a:buChar char="v"/>
+            </a:pPr>
+            <a:r>
+              <a:rPr lang="en-GB" sz="2400" dirty="0">
+                <a:solidFill>
+                  <a:srgbClr val="FFFFFF"/>
+                </a:solidFill>
+                <a:latin typeface="Times New Roman" panose="02020603050405020304" pitchFamily="18" charset="0"/>
+                <a:cs typeface="Times New Roman" panose="02020603050405020304" pitchFamily="18" charset="0"/>
+              </a:rPr>
+              <a:t>From the analysis and visualization done, we observed that their is no much relationship between the percentage of cocoa in a chocolate bar and the rating given. Therefore we fail to reject the null hypothesis.</a:t>
+            </a:r>
+            <a:r>
+              <a:rPr lang="en-GB" sz="2400" dirty="0">
+                <a:solidFill>
+                  <a:srgbClr val="FFFFFF"/>
+                </a:solidFill>
+                <a:latin typeface="Times New Roman" panose="02020603050405020304" pitchFamily="18" charset="0"/>
+                <a:cs typeface="Times New Roman" panose="02020603050405020304" pitchFamily="18" charset="0"/>
+              </a:rPr>
+              <a:t/>
+            </a:r>
+            <a:br>
+              <a:rPr lang="en-GB" sz="2400" dirty="0">
+                <a:solidFill>
+                  <a:srgbClr val="FFFFFF"/>
+                </a:solidFill>
+                <a:latin typeface="Times New Roman" panose="02020603050405020304" pitchFamily="18" charset="0"/>
+                <a:cs typeface="Times New Roman" panose="02020603050405020304" pitchFamily="18" charset="0"/>
+              </a:rPr>
+            </a:br>
+            <a:r>
+              <a:rPr lang="en-GB" sz="2400" dirty="0" smtClean="0">
+                <a:solidFill>
+                  <a:srgbClr val="FFFFFF"/>
+                </a:solidFill>
+                <a:latin typeface="Times New Roman" panose="02020603050405020304" pitchFamily="18" charset="0"/>
+                <a:cs typeface="Times New Roman" panose="02020603050405020304" pitchFamily="18" charset="0"/>
+              </a:rPr>
+              <a:t/>
+            </a:r>
+            <a:br>
+              <a:rPr lang="en-GB" sz="2400" dirty="0" smtClean="0">
+                <a:solidFill>
+                  <a:srgbClr val="FFFFFF"/>
+                </a:solidFill>
+                <a:latin typeface="Times New Roman" panose="02020603050405020304" pitchFamily="18" charset="0"/>
+                <a:cs typeface="Times New Roman" panose="02020603050405020304" pitchFamily="18" charset="0"/>
+              </a:rPr>
+            </a:br>
+            <a:r>
+              <a:rPr lang="en-GB" sz="2400" dirty="0" smtClean="0">
+                <a:solidFill>
+                  <a:srgbClr val="FFFFFF"/>
+                </a:solidFill>
+                <a:latin typeface="Times New Roman" panose="02020603050405020304" pitchFamily="18" charset="0"/>
+                <a:cs typeface="Times New Roman" panose="02020603050405020304" pitchFamily="18" charset="0"/>
+              </a:rPr>
+              <a:t>There </a:t>
+            </a:r>
+            <a:r>
+              <a:rPr lang="en-GB" sz="2400" dirty="0">
+                <a:solidFill>
+                  <a:srgbClr val="FFFFFF"/>
+                </a:solidFill>
+                <a:latin typeface="Times New Roman" panose="02020603050405020304" pitchFamily="18" charset="0"/>
+                <a:cs typeface="Times New Roman" panose="02020603050405020304" pitchFamily="18" charset="0"/>
+              </a:rPr>
+              <a:t>are other factors that contributed to the rating:</a:t>
+            </a:r>
+            <a:r>
+              <a:rPr lang="en-GB" sz="2400" dirty="0">
+                <a:solidFill>
+                  <a:srgbClr val="FFFFFF"/>
+                </a:solidFill>
+                <a:latin typeface="Times New Roman" panose="02020603050405020304" pitchFamily="18" charset="0"/>
+                <a:cs typeface="Times New Roman" panose="02020603050405020304" pitchFamily="18" charset="0"/>
+              </a:rPr>
+              <a:t/>
+            </a:r>
+            <a:br>
+              <a:rPr lang="en-GB" sz="2400" dirty="0">
+                <a:solidFill>
+                  <a:srgbClr val="FFFFFF"/>
+                </a:solidFill>
+                <a:latin typeface="Times New Roman" panose="02020603050405020304" pitchFamily="18" charset="0"/>
+                <a:cs typeface="Times New Roman" panose="02020603050405020304" pitchFamily="18" charset="0"/>
+              </a:rPr>
+            </a:br>
+            <a:r>
+              <a:rPr lang="en-GB" sz="2400" dirty="0">
+                <a:solidFill>
+                  <a:srgbClr val="FFFFFF"/>
+                </a:solidFill>
+                <a:latin typeface="Times New Roman" panose="02020603050405020304" pitchFamily="18" charset="0"/>
+                <a:cs typeface="Times New Roman" panose="02020603050405020304" pitchFamily="18" charset="0"/>
+              </a:rPr>
+              <a:t>The expert's own intuition</a:t>
+            </a:r>
+            <a:r>
+              <a:rPr lang="en-GB" sz="2400" dirty="0">
+                <a:solidFill>
+                  <a:srgbClr val="FFFFFF"/>
+                </a:solidFill>
+                <a:latin typeface="Times New Roman" panose="02020603050405020304" pitchFamily="18" charset="0"/>
+                <a:cs typeface="Times New Roman" panose="02020603050405020304" pitchFamily="18" charset="0"/>
+              </a:rPr>
+              <a:t/>
+            </a:r>
+            <a:br>
+              <a:rPr lang="en-GB" sz="2400" dirty="0">
+                <a:solidFill>
+                  <a:srgbClr val="FFFFFF"/>
+                </a:solidFill>
+                <a:latin typeface="Times New Roman" panose="02020603050405020304" pitchFamily="18" charset="0"/>
+                <a:cs typeface="Times New Roman" panose="02020603050405020304" pitchFamily="18" charset="0"/>
+              </a:rPr>
+            </a:br>
+            <a:r>
+              <a:rPr lang="en-GB" sz="2400" dirty="0">
+                <a:solidFill>
+                  <a:srgbClr val="FFFFFF"/>
+                </a:solidFill>
+                <a:latin typeface="Times New Roman" panose="02020603050405020304" pitchFamily="18" charset="0"/>
+                <a:cs typeface="Times New Roman" panose="02020603050405020304" pitchFamily="18" charset="0"/>
+              </a:rPr>
+              <a:t>The flavor of the chocolate</a:t>
+            </a:r>
+            <a:r>
+              <a:rPr lang="en-GB" sz="2400" dirty="0">
+                <a:solidFill>
+                  <a:srgbClr val="FFFFFF"/>
+                </a:solidFill>
+                <a:latin typeface="Times New Roman" panose="02020603050405020304" pitchFamily="18" charset="0"/>
+                <a:cs typeface="Times New Roman" panose="02020603050405020304" pitchFamily="18" charset="0"/>
+              </a:rPr>
+              <a:t/>
+            </a:r>
+            <a:br>
+              <a:rPr lang="en-GB" sz="2400" dirty="0">
+                <a:solidFill>
+                  <a:srgbClr val="FFFFFF"/>
+                </a:solidFill>
+                <a:latin typeface="Times New Roman" panose="02020603050405020304" pitchFamily="18" charset="0"/>
+                <a:cs typeface="Times New Roman" panose="02020603050405020304" pitchFamily="18" charset="0"/>
+              </a:rPr>
+            </a:br>
+            <a:r>
+              <a:rPr lang="en-GB" sz="2400" dirty="0">
+                <a:solidFill>
+                  <a:srgbClr val="FFFFFF"/>
+                </a:solidFill>
+                <a:latin typeface="Times New Roman" panose="02020603050405020304" pitchFamily="18" charset="0"/>
+                <a:cs typeface="Times New Roman" panose="02020603050405020304" pitchFamily="18" charset="0"/>
+              </a:rPr>
+              <a:t>And others</a:t>
+            </a:r>
+            <a:endParaRPr lang="en-US" sz="2400" dirty="0">
+              <a:solidFill>
+                <a:srgbClr val="FFFFFF"/>
+              </a:solidFill>
+              <a:latin typeface="Times New Roman" panose="02020603050405020304" pitchFamily="18" charset="0"/>
+              <a:cs typeface="Times New Roman" panose="02020603050405020304" pitchFamily="18" charset="0"/>
+            </a:endParaRPr>
+          </a:p>
+        </p:txBody>
+      </p:sp>
+    </p:spTree>
+    <p:extLst>
+      <p:ext uri="{BB962C8B-B14F-4D97-AF65-F5344CB8AC3E}">
+        <p14:creationId xmlns:p14="http://schemas.microsoft.com/office/powerpoint/2010/main" val="3096511680"/>
+      </p:ext>
+    </p:extLst>
+  </p:cSld>
+  <p:clrMapOvr>
+    <a:masterClrMapping/>
+  </p:clrMapOvr>
+  <mc:AlternateContent xmlns:mc="http://schemas.openxmlformats.org/markup-compatibility/2006" xmlns:p159="http://schemas.microsoft.com/office/powerpoint/2015/09/main">
+    <mc:Choice Requires="p159">
+      <p:transition xmlns:p14="http://schemas.microsoft.com/office/powerpoint/2010/main" spd="slow" p14:dur="2000">
+        <p159:morph option="byObject"/>
+      </p:transition>
+    </mc:Choice>
+    <mc:Fallback xmlns="">
+      <p:transition spd="slow">
+        <p:fade/>
+      </p:transition>
+    </mc:Fallback>
+  </mc:AlternateContent>
+</p:sld>
+</file>
+
+<file path=ppt/slides/slide17.xml><?xml version="1.0" encoding="utf-8"?>
 <p:sld xmlns:a="http://schemas.openxmlformats.org/drawingml/2006/main" xmlns:r="http://schemas.openxmlformats.org/officeDocument/2006/relationships" xmlns:p="http://schemas.openxmlformats.org/presentationml/2006/main">
   <p:cSld>
     <p:bg>
@@ -10305,7 +10898,7 @@
                 <a14:useLocalDpi xmlns:a14="http://schemas.microsoft.com/office/drawing/2010/main" val="0"/>
               </a:ext>
               <a:ext uri="{837473B0-CC2E-450A-ABE3-18F120FF3D39}">
-                <a1611:picAttrSrcUrl xmlns:a1611="http://schemas.microsoft.com/office/drawing/2016/11/main" r:id="rId7"/>
+                <a1611:picAttrSrcUrl xmlns:a1611="http://schemas.microsoft.com/office/drawing/2016/11/main" xmlns="" r:id="rId7"/>
               </a:ext>
             </a:extLst>
           </a:blip>
@@ -10349,7 +10942,9 @@
     <p:bg>
       <p:bgPr>
         <a:solidFill>
-          <a:srgbClr val="205B7C"/>
+          <a:schemeClr val="bg2">
+            <a:lumMod val="50000"/>
+          </a:schemeClr>
         </a:solidFill>
         <a:effectLst/>
       </p:bgPr>
@@ -10583,7 +11178,7 @@
             <a:r>
               <a:rPr lang="en-US" sz="3600" u="sng" dirty="0">
                 <a:solidFill>
-                  <a:srgbClr val="FF0000"/>
+                  <a:srgbClr val="FFFFFF"/>
                 </a:solidFill>
                 <a:latin typeface="Times New Roman" panose="02020603050405020304" pitchFamily="18" charset="0"/>
                 <a:cs typeface="Times New Roman" panose="02020603050405020304" pitchFamily="18" charset="0"/>
@@ -10592,7 +11187,7 @@
             </a:r>
             <a:endParaRPr lang="en-GH" sz="3600" u="sng" dirty="0">
               <a:solidFill>
-                <a:srgbClr val="FF0000"/>
+                <a:srgbClr val="FFFFFF"/>
               </a:solidFill>
               <a:latin typeface="Times New Roman" panose="02020603050405020304" pitchFamily="18" charset="0"/>
               <a:cs typeface="Times New Roman" panose="02020603050405020304" pitchFamily="18" charset="0"/>
@@ -10627,6 +11222,9 @@
           <a:lstStyle/>
           <a:p>
             <a:pPr marL="603250" indent="-457200">
+              <a:buClr>
+                <a:srgbClr val="FFFFFF"/>
+              </a:buClr>
               <a:buFont typeface="Wingdings" panose="05000000000000000000" pitchFamily="2" charset="2"/>
               <a:buChar char="ü"/>
             </a:pPr>
@@ -10666,6 +11264,9 @@
           </a:p>
           <a:p>
             <a:pPr marL="603250" indent="-457200">
+              <a:buClr>
+                <a:srgbClr val="FFFFFF"/>
+              </a:buClr>
               <a:buFont typeface="Wingdings" panose="05000000000000000000" pitchFamily="2" charset="2"/>
               <a:buChar char="ü"/>
             </a:pPr>
@@ -10682,6 +11283,9 @@
           </a:p>
           <a:p>
             <a:pPr marL="603250" indent="-457200">
+              <a:buClr>
+                <a:srgbClr val="FFFFFF"/>
+              </a:buClr>
               <a:buFont typeface="Wingdings" panose="05000000000000000000" pitchFamily="2" charset="2"/>
               <a:buChar char="ü"/>
             </a:pPr>
@@ -10708,6 +11312,9 @@
           </a:p>
           <a:p>
             <a:pPr marL="603250" indent="-457200">
+              <a:buClr>
+                <a:srgbClr val="FFFFFF"/>
+              </a:buClr>
               <a:buFont typeface="Wingdings" panose="05000000000000000000" pitchFamily="2" charset="2"/>
               <a:buChar char="ü"/>
             </a:pPr>
@@ -10763,7 +11370,9 @@
     <p:bg>
       <p:bgPr>
         <a:solidFill>
-          <a:srgbClr val="205B7C"/>
+          <a:schemeClr val="bg2">
+            <a:lumMod val="50000"/>
+          </a:schemeClr>
         </a:solidFill>
         <a:effectLst/>
       </p:bgPr>
@@ -10995,21 +11604,21 @@
           <a:lstStyle/>
           <a:p>
             <a:r>
-              <a:rPr lang="en-US" sz="3600" u="sng" dirty="0">
+              <a:rPr lang="en-US" sz="4400" u="sng" dirty="0">
                 <a:solidFill>
-                  <a:schemeClr val="bg1">
-                    <a:lumMod val="10000"/>
-                  </a:schemeClr>
+                  <a:srgbClr val="FFFFFF"/>
                 </a:solidFill>
+                <a:latin typeface="Times New Roman" panose="02020603050405020304" pitchFamily="18" charset="0"/>
+                <a:cs typeface="Times New Roman" panose="02020603050405020304" pitchFamily="18" charset="0"/>
               </a:rPr>
               <a:t>Hypothesis</a:t>
             </a:r>
-            <a:endParaRPr lang="en-GH" sz="3600" u="sng" dirty="0">
+            <a:endParaRPr lang="en-GH" sz="4400" u="sng" dirty="0">
               <a:solidFill>
-                <a:schemeClr val="bg1">
-                  <a:lumMod val="10000"/>
-                </a:schemeClr>
+                <a:srgbClr val="FFFFFF"/>
               </a:solidFill>
+              <a:latin typeface="Times New Roman" panose="02020603050405020304" pitchFamily="18" charset="0"/>
+              <a:cs typeface="Times New Roman" panose="02020603050405020304" pitchFamily="18" charset="0"/>
             </a:endParaRPr>
           </a:p>
         </p:txBody>
@@ -11182,7 +11791,7 @@
               <a:buChar char="•"/>
             </a:pPr>
             <a:r>
-              <a:rPr lang="en-US" sz="2800" b="1" dirty="0">
+              <a:rPr lang="en-US" sz="2400" b="1" dirty="0">
                 <a:solidFill>
                   <a:srgbClr val="FFFFFF"/>
                 </a:solidFill>
@@ -11205,7 +11814,7 @@
               </a:spcAft>
             </a:pPr>
             <a:r>
-              <a:rPr lang="en-US" sz="2800" b="1" dirty="0">
+              <a:rPr lang="en-US" sz="2400" b="1" dirty="0">
                 <a:solidFill>
                   <a:srgbClr val="FFFFFF"/>
                 </a:solidFill>
@@ -11227,7 +11836,7 @@
                 <a:spcPct val="15000"/>
               </a:spcAft>
             </a:pPr>
-            <a:endParaRPr lang="en-US" sz="2400" b="1" dirty="0">
+            <a:endParaRPr lang="en-GB" sz="2400" b="1" dirty="0">
               <a:solidFill>
                 <a:srgbClr val="FFFFFF"/>
               </a:solidFill>
@@ -11270,7 +11879,7 @@
               <a:buChar char="•"/>
             </a:pPr>
             <a:r>
-              <a:rPr lang="en-US" sz="2800" b="1" dirty="0">
+              <a:rPr lang="en-US" sz="2400" b="1" dirty="0">
                 <a:solidFill>
                   <a:srgbClr val="FFFFFF"/>
                 </a:solidFill>
@@ -11293,6 +11902,16 @@
               </a:spcAft>
             </a:pPr>
             <a:r>
+              <a:rPr lang="en-US" sz="2400" b="1" dirty="0">
+                <a:solidFill>
+                  <a:srgbClr val="FFFFFF"/>
+                </a:solidFill>
+                <a:latin typeface="Times New Roman" panose="02020603050405020304" pitchFamily="18" charset="0"/>
+                <a:cs typeface="Times New Roman" panose="02020603050405020304" pitchFamily="18" charset="0"/>
+              </a:rPr>
+              <a:t>	There is a positive relationship between the percentage of cocoa in the chocolate bar and the expert rating given</a:t>
+            </a:r>
+            <a:r>
               <a:rPr lang="en-US" sz="2800" b="1" dirty="0">
                 <a:solidFill>
                   <a:srgbClr val="FFFFFF"/>
@@ -11300,11 +11919,11 @@
                 <a:latin typeface="Times New Roman" panose="02020603050405020304" pitchFamily="18" charset="0"/>
                 <a:cs typeface="Times New Roman" panose="02020603050405020304" pitchFamily="18" charset="0"/>
               </a:rPr>
-              <a:t>	There is a positive relationship between the percentage of cocoa in the chocolate bar and the expert rating given.</a:t>
+              <a:t>.</a:t>
             </a:r>
           </a:p>
           <a:p>
-            <a:pPr marL="342874" lvl="1" indent="-342874" defTabSz="622255">
+            <a:pPr marL="0" lvl="1" defTabSz="622255">
               <a:lnSpc>
                 <a:spcPct val="90000"/>
               </a:lnSpc>
@@ -11314,8 +11933,6 @@
               <a:spcAft>
                 <a:spcPct val="15000"/>
               </a:spcAft>
-              <a:buFont typeface="Wingdings" panose="05000000000000000000" pitchFamily="2" charset="2"/>
-              <a:buChar char="Ø"/>
             </a:pPr>
             <a:endParaRPr lang="en-GH" sz="2400" dirty="0">
               <a:solidFill>
@@ -12037,6 +12654,16 @@
 <file path=ppt/slides/slide5.xml><?xml version="1.0" encoding="utf-8"?>
 <p:sld xmlns:a="http://schemas.openxmlformats.org/drawingml/2006/main" xmlns:r="http://schemas.openxmlformats.org/officeDocument/2006/relationships" xmlns:p="http://schemas.openxmlformats.org/presentationml/2006/main">
   <p:cSld>
+    <p:bg>
+      <p:bgPr>
+        <a:solidFill>
+          <a:schemeClr val="bg2">
+            <a:lumMod val="50000"/>
+          </a:schemeClr>
+        </a:solidFill>
+        <a:effectLst/>
+      </p:bgPr>
+    </p:bg>
     <p:spTree>
       <p:nvGrpSpPr>
         <p:cNvPr id="1" name=""/>
@@ -12115,9 +12742,17 @@
               <a:rPr lang="en-US" sz="3600" dirty="0"/>
               <a:t>Tools and Libraries </a:t>
             </a:r>
+            <a:r>
+              <a:rPr lang="en-US" dirty="0"/>
+              <a:t/>
+            </a:r>
             <a:br>
               <a:rPr lang="en-US" dirty="0"/>
             </a:br>
+            <a:r>
+              <a:rPr lang="en-US" dirty="0"/>
+              <a:t/>
+            </a:r>
             <a:br>
               <a:rPr lang="en-US" dirty="0"/>
             </a:br>
@@ -12451,6 +13086,16 @@
 <file path=ppt/slides/slide6.xml><?xml version="1.0" encoding="utf-8"?>
 <p:sld xmlns:a="http://schemas.openxmlformats.org/drawingml/2006/main" xmlns:r="http://schemas.openxmlformats.org/officeDocument/2006/relationships" xmlns:p="http://schemas.openxmlformats.org/presentationml/2006/main">
   <p:cSld>
+    <p:bg>
+      <p:bgPr>
+        <a:solidFill>
+          <a:schemeClr val="bg2">
+            <a:lumMod val="50000"/>
+          </a:schemeClr>
+        </a:solidFill>
+        <a:effectLst/>
+      </p:bgPr>
+    </p:bg>
     <p:spTree>
       <p:nvGrpSpPr>
         <p:cNvPr id="1" name=""/>
@@ -12898,6 +13543,16 @@
 <file path=ppt/slides/slide7.xml><?xml version="1.0" encoding="utf-8"?>
 <p:sld xmlns:a="http://schemas.openxmlformats.org/drawingml/2006/main" xmlns:r="http://schemas.openxmlformats.org/officeDocument/2006/relationships" xmlns:p="http://schemas.openxmlformats.org/presentationml/2006/main">
   <p:cSld>
+    <p:bg>
+      <p:bgPr>
+        <a:solidFill>
+          <a:schemeClr val="bg2">
+            <a:lumMod val="50000"/>
+          </a:schemeClr>
+        </a:solidFill>
+        <a:effectLst/>
+      </p:bgPr>
+    </p:bg>
     <p:spTree>
       <p:nvGrpSpPr>
         <p:cNvPr id="1" name=""/>
@@ -13358,6 +14013,16 @@
 <file path=ppt/slides/slide8.xml><?xml version="1.0" encoding="utf-8"?>
 <p:sld xmlns:a="http://schemas.openxmlformats.org/drawingml/2006/main" xmlns:r="http://schemas.openxmlformats.org/officeDocument/2006/relationships" xmlns:p="http://schemas.openxmlformats.org/presentationml/2006/main">
   <p:cSld>
+    <p:bg>
+      <p:bgPr>
+        <a:solidFill>
+          <a:schemeClr val="bg2">
+            <a:lumMod val="50000"/>
+          </a:schemeClr>
+        </a:solidFill>
+        <a:effectLst/>
+      </p:bgPr>
+    </p:bg>
     <p:spTree>
       <p:nvGrpSpPr>
         <p:cNvPr id="1" name=""/>
@@ -13828,6 +14493,16 @@
 <file path=ppt/slides/slide9.xml><?xml version="1.0" encoding="utf-8"?>
 <p:sld xmlns:a="http://schemas.openxmlformats.org/drawingml/2006/main" xmlns:r="http://schemas.openxmlformats.org/officeDocument/2006/relationships" xmlns:p="http://schemas.openxmlformats.org/presentationml/2006/main">
   <p:cSld>
+    <p:bg>
+      <p:bgPr>
+        <a:solidFill>
+          <a:schemeClr val="bg2">
+            <a:lumMod val="50000"/>
+          </a:schemeClr>
+        </a:solidFill>
+        <a:effectLst/>
+      </p:bgPr>
+    </p:bg>
     <p:spTree>
       <p:nvGrpSpPr>
         <p:cNvPr id="1" name=""/>

--- a/Group 1 EDA Project DIGICAP.pptx
+++ b/Group 1 EDA Project DIGICAP.pptx
@@ -4123,7 +4123,7 @@
           <a:graphicData uri="http://schemas.openxmlformats.org/presentationml/2006/ole">
             <mc:AlternateContent xmlns:mc="http://schemas.openxmlformats.org/markup-compatibility/2006">
               <mc:Choice xmlns:v="urn:schemas-microsoft-com:vml" Requires="v">
-                <p:oleObj spid="_x0000_s5193" name="think-cell Slide" r:id="rId4" imgW="378" imgH="377" progId="TCLayout.ActiveDocument.1">
+                <p:oleObj spid="_x0000_s5206" name="think-cell Slide" r:id="rId4" imgW="378" imgH="377" progId="TCLayout.ActiveDocument.1">
                   <p:embed/>
                 </p:oleObj>
               </mc:Choice>
@@ -4880,7 +4880,7 @@
           <a:graphicData uri="http://schemas.openxmlformats.org/presentationml/2006/ole">
             <mc:AlternateContent xmlns:mc="http://schemas.openxmlformats.org/markup-compatibility/2006">
               <mc:Choice xmlns:v="urn:schemas-microsoft-com:vml" Requires="v">
-                <p:oleObj spid="_x0000_s4169" name="think-cell Slide" r:id="rId5" imgW="378" imgH="377" progId="TCLayout.ActiveDocument.1">
+                <p:oleObj spid="_x0000_s4182" name="think-cell Slide" r:id="rId5" imgW="378" imgH="377" progId="TCLayout.ActiveDocument.1">
                   <p:embed/>
                 </p:oleObj>
               </mc:Choice>
@@ -6485,7 +6485,7 @@
           <a:graphicData uri="http://schemas.openxmlformats.org/presentationml/2006/ole">
             <mc:AlternateContent xmlns:mc="http://schemas.openxmlformats.org/markup-compatibility/2006">
               <mc:Choice xmlns:v="urn:schemas-microsoft-com:vml" Requires="v">
-                <p:oleObj spid="_x0000_s6217" name="think-cell Slide" r:id="rId5" imgW="378" imgH="377" progId="TCLayout.ActiveDocument.1">
+                <p:oleObj spid="_x0000_s6230" name="think-cell Slide" r:id="rId5" imgW="378" imgH="377" progId="TCLayout.ActiveDocument.1">
                   <p:embed/>
                 </p:oleObj>
               </mc:Choice>
@@ -7198,6 +7198,13 @@
       </p:transition>
     </mc:Fallback>
   </mc:AlternateContent>
+  <p:timing>
+    <p:tnLst>
+      <p:par>
+        <p:cTn id="1" dur="indefinite" restart="never" nodeType="tmRoot"/>
+      </p:par>
+    </p:tnLst>
+  </p:timing>
 </p:sld>
 </file>
 
@@ -7666,7 +7673,7 @@
                 <a:latin typeface="Times New Roman" panose="02020603050405020304" pitchFamily="18" charset="0"/>
                 <a:cs typeface="Times New Roman" panose="02020603050405020304" pitchFamily="18" charset="0"/>
               </a:rPr>
-              <a:t>. The </a:t>
+              <a:t>.</a:t>
             </a:r>
             <a:endParaRPr lang="en-US" sz="2400" dirty="0">
               <a:solidFill>
@@ -7756,6 +7763,13 @@
       </p:transition>
     </mc:Fallback>
   </mc:AlternateContent>
+  <p:timing>
+    <p:tnLst>
+      <p:par>
+        <p:cTn id="1" dur="indefinite" restart="never" nodeType="tmRoot"/>
+      </p:par>
+    </p:tnLst>
+  </p:timing>
 </p:sld>
 </file>
 
@@ -8263,6 +8277,13 @@
       </p:transition>
     </mc:Fallback>
   </mc:AlternateContent>
+  <p:timing>
+    <p:tnLst>
+      <p:par>
+        <p:cTn id="1" dur="indefinite" restart="never" nodeType="tmRoot"/>
+      </p:par>
+    </p:tnLst>
+  </p:timing>
 </p:sld>
 </file>
 
@@ -8594,8 +8615,8 @@
         </p:blipFill>
         <p:spPr>
           <a:xfrm>
-            <a:off x="13363" y="560857"/>
-            <a:ext cx="7996827" cy="6103779"/>
+            <a:off x="0" y="618977"/>
+            <a:ext cx="7789699" cy="6163245"/>
           </a:xfrm>
           <a:prstGeom prst="rect">
             <a:avLst/>
@@ -8619,7 +8640,7 @@
         </p:nvSpPr>
         <p:spPr>
           <a:xfrm>
-            <a:off x="8086192" y="1642379"/>
+            <a:off x="8010190" y="1970024"/>
             <a:ext cx="4031672" cy="3158836"/>
           </a:xfrm>
           <a:prstGeom prst="roundRect">
@@ -8677,6 +8698,13 @@
       </p:transition>
     </mc:Fallback>
   </mc:AlternateContent>
+  <p:timing>
+    <p:tnLst>
+      <p:par>
+        <p:cTn id="1" dur="indefinite" restart="never" nodeType="tmRoot"/>
+      </p:par>
+    </p:tnLst>
+  </p:timing>
 </p:sld>
 </file>
 
@@ -9168,6 +9196,13 @@
       </p:transition>
     </mc:Fallback>
   </mc:AlternateContent>
+  <p:timing>
+    <p:tnLst>
+      <p:par>
+        <p:cTn id="1" dur="indefinite" restart="never" nodeType="tmRoot"/>
+      </p:par>
+    </p:tnLst>
+  </p:timing>
 </p:sld>
 </file>
 
@@ -9216,8 +9251,8 @@
         </p:nvSpPr>
         <p:spPr>
           <a:xfrm>
-            <a:off x="262400" y="211263"/>
-            <a:ext cx="8462151" cy="712792"/>
+            <a:off x="262399" y="181999"/>
+            <a:ext cx="7791710" cy="742056"/>
           </a:xfrm>
         </p:spPr>
         <p:txBody>
@@ -9232,9 +9267,6 @@
               <a:rPr lang="en-US" dirty="0" smtClean="0"/>
               <a:t>THEIR COUNTRIES</a:t>
             </a:r>
-            <a:br>
-              <a:rPr lang="en-US" dirty="0" smtClean="0"/>
-            </a:br>
             <a:endParaRPr lang="en-US" dirty="0"/>
           </a:p>
         </p:txBody>
@@ -9291,14 +9323,14 @@
           <p:nvPr>
             <p:extLst>
               <p:ext uri="{D42A27DB-BD31-4B8C-83A1-F6EECF244321}">
-                <p14:modId xmlns:p14="http://schemas.microsoft.com/office/powerpoint/2010/main" val="2686057801"/>
+                <p14:modId xmlns:p14="http://schemas.microsoft.com/office/powerpoint/2010/main" val="3655730451"/>
               </p:ext>
             </p:extLst>
           </p:nvPr>
         </p:nvGraphicFramePr>
         <p:xfrm>
-          <a:off x="193906" y="686995"/>
-          <a:ext cx="11131231" cy="5989006"/>
+          <a:off x="129310" y="1034477"/>
+          <a:ext cx="11499272" cy="5641522"/>
         </p:xfrm>
         <a:graphic>
           <a:graphicData uri="http://schemas.openxmlformats.org/drawingml/2006/table">
@@ -9307,21 +9339,21 @@
                 <a:tableStyleId>{5C22544A-7EE6-4342-B048-85BDC9FD1C3A}</a:tableStyleId>
               </a:tblPr>
               <a:tblGrid>
-                <a:gridCol w="4615180">
+                <a:gridCol w="4767775">
                   <a:extLst>
                     <a:ext uri="{9D8B030D-6E8A-4147-A177-3AD203B41FA5}">
                       <a16:colId xmlns:a16="http://schemas.microsoft.com/office/drawing/2014/main" val="1850336098"/>
                     </a:ext>
                   </a:extLst>
                 </a:gridCol>
-                <a:gridCol w="2805642">
+                <a:gridCol w="2898407">
                   <a:extLst>
                     <a:ext uri="{9D8B030D-6E8A-4147-A177-3AD203B41FA5}">
                       <a16:colId xmlns:a16="http://schemas.microsoft.com/office/drawing/2014/main" val="4223915094"/>
                     </a:ext>
                   </a:extLst>
                 </a:gridCol>
-                <a:gridCol w="3710409">
+                <a:gridCol w="3833090">
                   <a:extLst>
                     <a:ext uri="{9D8B030D-6E8A-4147-A177-3AD203B41FA5}">
                       <a16:colId xmlns:a16="http://schemas.microsoft.com/office/drawing/2014/main" val="3193155075"/>
@@ -9329,7 +9361,7 @@
                   </a:extLst>
                 </a:gridCol>
               </a:tblGrid>
-              <a:tr h="894926">
+              <a:tr h="843002">
                 <a:tc>
                   <a:txBody>
                     <a:bodyPr/>
@@ -9375,7 +9407,7 @@
                   </a:ext>
                 </a:extLst>
               </a:tr>
-              <a:tr h="509408">
+              <a:tr h="479852">
                 <a:tc>
                   <a:txBody>
                     <a:bodyPr/>
@@ -9421,7 +9453,7 @@
                   </a:ext>
                 </a:extLst>
               </a:tr>
-              <a:tr h="509408">
+              <a:tr h="479852">
                 <a:tc>
                   <a:txBody>
                     <a:bodyPr/>
@@ -9468,7 +9500,7 @@
                   </a:ext>
                 </a:extLst>
               </a:tr>
-              <a:tr h="509408">
+              <a:tr h="479852">
                 <a:tc>
                   <a:txBody>
                     <a:bodyPr/>
@@ -9514,7 +9546,7 @@
                   </a:ext>
                 </a:extLst>
               </a:tr>
-              <a:tr h="509408">
+              <a:tr h="479852">
                 <a:tc>
                   <a:txBody>
                     <a:bodyPr/>
@@ -9583,7 +9615,7 @@
                   </a:ext>
                 </a:extLst>
               </a:tr>
-              <a:tr h="509408">
+              <a:tr h="479852">
                 <a:tc>
                   <a:txBody>
                     <a:bodyPr/>
@@ -9648,7 +9680,7 @@
                   </a:ext>
                 </a:extLst>
               </a:tr>
-              <a:tr h="509408">
+              <a:tr h="479852">
                 <a:tc>
                   <a:txBody>
                     <a:bodyPr/>
@@ -9695,7 +9727,7 @@
                   </a:ext>
                 </a:extLst>
               </a:tr>
-              <a:tr h="509408">
+              <a:tr h="479852">
                 <a:tc>
                   <a:txBody>
                     <a:bodyPr/>
@@ -9745,7 +9777,7 @@
                   </a:ext>
                 </a:extLst>
               </a:tr>
-              <a:tr h="509408">
+              <a:tr h="479852">
                 <a:tc>
                   <a:txBody>
                     <a:bodyPr/>
@@ -9791,7 +9823,7 @@
                   </a:ext>
                 </a:extLst>
               </a:tr>
-              <a:tr h="509408">
+              <a:tr h="479852">
                 <a:tc>
                   <a:txBody>
                     <a:bodyPr/>
@@ -9837,7 +9869,7 @@
                   </a:ext>
                 </a:extLst>
               </a:tr>
-              <a:tr h="509408">
+              <a:tr h="479852">
                 <a:tc>
                   <a:txBody>
                     <a:bodyPr/>
@@ -9925,6 +9957,13 @@
       </p:transition>
     </mc:Fallback>
   </mc:AlternateContent>
+  <p:timing>
+    <p:tnLst>
+      <p:par>
+        <p:cTn id="1" dur="indefinite" restart="never" nodeType="tmRoot"/>
+      </p:par>
+    </p:tnLst>
+  </p:timing>
 </p:sld>
 </file>
 
@@ -10199,8 +10238,8 @@
         </p:nvSpPr>
         <p:spPr>
           <a:xfrm>
-            <a:off x="318482" y="907611"/>
-            <a:ext cx="11207991" cy="4880793"/>
+            <a:off x="161606" y="886691"/>
+            <a:ext cx="11499273" cy="5611692"/>
           </a:xfrm>
         </p:spPr>
         <p:txBody>
@@ -10209,25 +10248,24 @@
           <a:p>
             <a:pPr marL="488950" indent="-342900">
               <a:buClr>
-                <a:srgbClr val="FFFFFF"/>
+                <a:schemeClr val="bg1"/>
               </a:buClr>
-              <a:buSzPct val="54000"/>
               <a:buFont typeface="Wingdings" panose="05000000000000000000" pitchFamily="2" charset="2"/>
               <a:buChar char="v"/>
             </a:pPr>
             <a:r>
               <a:rPr lang="en-GB" sz="2400" dirty="0" smtClean="0">
                 <a:solidFill>
-                  <a:srgbClr val="FFFFFF"/>
+                  <a:schemeClr val="bg1"/>
                 </a:solidFill>
                 <a:latin typeface="Times New Roman" panose="02020603050405020304" pitchFamily="18" charset="0"/>
                 <a:cs typeface="Times New Roman" panose="02020603050405020304" pitchFamily="18" charset="0"/>
               </a:rPr>
-              <a:t>Majority of the chocolates were rated between 2.8 and 4.0, where 3.6 emerged  as the most rating</a:t>
+              <a:t>Majority of the chocolates were rated between 2.8 and 4.0, where 3.6 emerged as the most rating</a:t>
             </a:r>
             <a:endParaRPr lang="en-GB" sz="2400" dirty="0" smtClean="0">
               <a:solidFill>
-                <a:srgbClr val="FFFFFF"/>
+                <a:schemeClr val="bg1"/>
               </a:solidFill>
               <a:latin typeface="Times New Roman" panose="02020603050405020304" pitchFamily="18" charset="0"/>
               <a:cs typeface="Times New Roman" panose="02020603050405020304" pitchFamily="18" charset="0"/>
@@ -10236,36 +10274,34 @@
           <a:p>
             <a:pPr marL="488950" indent="-342900">
               <a:buClr>
-                <a:srgbClr val="FFFFFF"/>
+                <a:schemeClr val="bg1"/>
               </a:buClr>
-              <a:buSzPct val="54000"/>
               <a:buFont typeface="Wingdings" panose="05000000000000000000" pitchFamily="2" charset="2"/>
               <a:buChar char="v"/>
             </a:pPr>
             <a:r>
               <a:rPr lang="en-GB" sz="2400" dirty="0" smtClean="0">
                 <a:solidFill>
-                  <a:srgbClr val="FFFFFF"/>
+                  <a:schemeClr val="bg1"/>
                 </a:solidFill>
                 <a:latin typeface="Times New Roman" panose="02020603050405020304" pitchFamily="18" charset="0"/>
                 <a:cs typeface="Times New Roman" panose="02020603050405020304" pitchFamily="18" charset="0"/>
               </a:rPr>
-              <a:t>Companies in USA produced chocolates close to 800 bars for review making them the highest chocolate producing country compared to Germany that produced less than 100 bars for review, making them the least out of the top ten chosen</a:t>
+              <a:t>Companies in USA produced chocolates closed to 800 bars for review making them the highest chocolate producing countries compared to Germany that produced less than 100 bars for review, making them the least out of the top ten chosen</a:t>
             </a:r>
           </a:p>
           <a:p>
             <a:pPr marL="488950" indent="-342900">
               <a:buClr>
-                <a:srgbClr val="FFFFFF"/>
+                <a:schemeClr val="bg1"/>
               </a:buClr>
-              <a:buSzPct val="54000"/>
               <a:buFont typeface="Wingdings" panose="05000000000000000000" pitchFamily="2" charset="2"/>
               <a:buChar char="v"/>
             </a:pPr>
             <a:r>
               <a:rPr lang="en-GB" sz="2400" dirty="0" smtClean="0">
                 <a:solidFill>
-                  <a:srgbClr val="FFFFFF"/>
+                  <a:schemeClr val="bg1"/>
                 </a:solidFill>
                 <a:latin typeface="Times New Roman" panose="02020603050405020304" pitchFamily="18" charset="0"/>
                 <a:cs typeface="Times New Roman" panose="02020603050405020304" pitchFamily="18" charset="0"/>
@@ -10276,16 +10312,15 @@
           <a:p>
             <a:pPr marL="488950" indent="-342900">
               <a:buClr>
-                <a:srgbClr val="FFFFFF"/>
+                <a:schemeClr val="bg1"/>
               </a:buClr>
-              <a:buSzPct val="54000"/>
               <a:buFont typeface="Wingdings" panose="05000000000000000000" pitchFamily="2" charset="2"/>
               <a:buChar char="v"/>
             </a:pPr>
             <a:r>
               <a:rPr lang="en-GB" sz="2400" dirty="0" smtClean="0">
                 <a:solidFill>
-                  <a:srgbClr val="FFFFFF"/>
+                  <a:schemeClr val="bg1"/>
                 </a:solidFill>
                 <a:latin typeface="Times New Roman" panose="02020603050405020304" pitchFamily="18" charset="0"/>
                 <a:cs typeface="Times New Roman" panose="02020603050405020304" pitchFamily="18" charset="0"/>
@@ -10296,25 +10331,24 @@
           <a:p>
             <a:pPr marL="488950" indent="-342900">
               <a:buClr>
-                <a:srgbClr val="FFFFFF"/>
+                <a:schemeClr val="bg1"/>
               </a:buClr>
-              <a:buSzPct val="54000"/>
               <a:buFont typeface="Wingdings" panose="05000000000000000000" pitchFamily="2" charset="2"/>
               <a:buChar char="v"/>
             </a:pPr>
             <a:r>
               <a:rPr lang="en-GB" sz="2400" dirty="0" smtClean="0">
                 <a:solidFill>
-                  <a:srgbClr val="FFFFFF"/>
+                  <a:schemeClr val="bg1"/>
                 </a:solidFill>
                 <a:latin typeface="Times New Roman" panose="02020603050405020304" pitchFamily="18" charset="0"/>
                 <a:cs typeface="Times New Roman" panose="02020603050405020304" pitchFamily="18" charset="0"/>
               </a:rPr>
-              <a:t>From the analysis drawn in terms of cocoa beans flow from its origin to the company’s location for chocolate production, most countries export majority of their cocoa beans to chocolate producing companies in USA </a:t>
+              <a:t>From the analysis drawn, in terms of coca beans flow from its origin to the company’s location for chocolate production, most countries export majority of their cocoa beans to chocolate producing countries in USA</a:t>
             </a:r>
             <a:endParaRPr lang="en-US" sz="2400" dirty="0">
               <a:solidFill>
-                <a:srgbClr val="FFFFFF"/>
+                <a:schemeClr val="bg1"/>
               </a:solidFill>
               <a:latin typeface="Times New Roman" panose="02020603050405020304" pitchFamily="18" charset="0"/>
               <a:cs typeface="Times New Roman" panose="02020603050405020304" pitchFamily="18" charset="0"/>
@@ -10344,6 +10378,13 @@
       </p:transition>
     </mc:Fallback>
   </mc:AlternateContent>
+  <p:timing>
+    <p:tnLst>
+      <p:par>
+        <p:cTn id="1" dur="indefinite" restart="never" nodeType="tmRoot"/>
+      </p:par>
+    </p:tnLst>
+  </p:timing>
 </p:sld>
 </file>
 
@@ -10386,8 +10427,8 @@
         </p:nvSpPr>
         <p:spPr>
           <a:xfrm>
-            <a:off x="192946" y="0"/>
-            <a:ext cx="8126791" cy="1023457"/>
+            <a:off x="332709" y="165943"/>
+            <a:ext cx="4885836" cy="757694"/>
           </a:xfrm>
         </p:spPr>
         <p:txBody>
@@ -10420,8 +10461,8 @@
         </p:nvSpPr>
         <p:spPr>
           <a:xfrm>
-            <a:off x="268448" y="1023457"/>
-            <a:ext cx="11081857" cy="5603846"/>
+            <a:off x="120073" y="923637"/>
+            <a:ext cx="11628581" cy="5791199"/>
           </a:xfrm>
         </p:spPr>
         <p:txBody>
@@ -10430,7 +10471,7 @@
           <a:p>
             <a:pPr marL="488950" indent="-342900">
               <a:buClr>
-                <a:srgbClr val="FFFFFF"/>
+                <a:schemeClr val="bg1"/>
               </a:buClr>
               <a:buSzPct val="70000"/>
               <a:buFont typeface="Wingdings" panose="05000000000000000000" pitchFamily="2" charset="2"/>
@@ -10439,38 +10480,18 @@
             <a:r>
               <a:rPr lang="en-GB" sz="2400" dirty="0" smtClean="0">
                 <a:solidFill>
-                  <a:srgbClr val="FFFFFF"/>
+                  <a:schemeClr val="bg1"/>
                 </a:solidFill>
                 <a:latin typeface="Times New Roman" panose="02020603050405020304" pitchFamily="18" charset="0"/>
                 <a:cs typeface="Times New Roman" panose="02020603050405020304" pitchFamily="18" charset="0"/>
               </a:rPr>
-              <a:t>With the top 10 chocolate producing companies, Soma from Canada had the highest number of chocolate bars rated with Hotel Chocolat</a:t>
-            </a:r>
-            <a:r>
-              <a:rPr lang="en-GB" sz="2400" dirty="0">
-                <a:solidFill>
-                  <a:srgbClr val="FFFFFF"/>
-                </a:solidFill>
-                <a:latin typeface="Times New Roman" panose="02020603050405020304" pitchFamily="18" charset="0"/>
-                <a:cs typeface="Times New Roman" panose="02020603050405020304" pitchFamily="18" charset="0"/>
-              </a:rPr>
-              <a:t> </a:t>
-            </a:r>
-            <a:r>
-              <a:rPr lang="en-GB" sz="2400" dirty="0" smtClean="0">
-                <a:solidFill>
-                  <a:srgbClr val="FFFFFF"/>
-                </a:solidFill>
-                <a:latin typeface="Times New Roman" panose="02020603050405020304" pitchFamily="18" charset="0"/>
-                <a:cs typeface="Times New Roman" panose="02020603050405020304" pitchFamily="18" charset="0"/>
-              </a:rPr>
-              <a:t>(Coppeneur) from UK had the least</a:t>
+              <a:t>With the top 10 chocolate producing companies, Soma from Canada had the highest number of chocolate bars rated with Hotel Chocalat (Coppeneur) from UK had the least</a:t>
             </a:r>
           </a:p>
           <a:p>
             <a:pPr marL="488950" indent="-342900">
               <a:buClr>
-                <a:srgbClr val="FFFFFF"/>
+                <a:schemeClr val="bg1"/>
               </a:buClr>
               <a:buSzPct val="70000"/>
               <a:buFont typeface="Wingdings" panose="05000000000000000000" pitchFamily="2" charset="2"/>
@@ -10479,163 +10500,138 @@
             <a:r>
               <a:rPr lang="en-GB" sz="2400" dirty="0">
                 <a:solidFill>
-                  <a:srgbClr val="FFFFFF"/>
+                  <a:schemeClr val="bg1"/>
                 </a:solidFill>
-                <a:latin typeface="Times New Roman" panose="02020603050405020304" pitchFamily="18" charset="0"/>
-                <a:cs typeface="Times New Roman" panose="02020603050405020304" pitchFamily="18" charset="0"/>
+                <a:latin typeface="New Tmes Roman"/>
               </a:rPr>
               <a:t>From the analysis and visualization done, we observed that their is no much relationship between the percentage of cocoa in a chocolate bar and the rating given. Therefore we fail to reject the null hypothesis.</a:t>
             </a:r>
             <a:r>
               <a:rPr lang="en-GB" sz="2400" dirty="0">
                 <a:solidFill>
-                  <a:srgbClr val="FFFFFF"/>
+                  <a:schemeClr val="bg1"/>
                 </a:solidFill>
-                <a:latin typeface="Times New Roman" panose="02020603050405020304" pitchFamily="18" charset="0"/>
-                <a:cs typeface="Times New Roman" panose="02020603050405020304" pitchFamily="18" charset="0"/>
+                <a:latin typeface="New Tmes Roman"/>
               </a:rPr>
               <a:t/>
             </a:r>
             <a:br>
               <a:rPr lang="en-GB" sz="2400" dirty="0">
                 <a:solidFill>
-                  <a:srgbClr val="FFFFFF"/>
+                  <a:schemeClr val="bg1"/>
                 </a:solidFill>
-                <a:latin typeface="Times New Roman" panose="02020603050405020304" pitchFamily="18" charset="0"/>
-                <a:cs typeface="Times New Roman" panose="02020603050405020304" pitchFamily="18" charset="0"/>
+                <a:latin typeface="New Tmes Roman"/>
               </a:rPr>
             </a:br>
             <a:r>
-              <a:rPr lang="en-GB" sz="2400" dirty="0" smtClean="0">
-                <a:solidFill>
-                  <a:srgbClr val="FFFFFF"/>
-                </a:solidFill>
-                <a:latin typeface="Times New Roman" panose="02020603050405020304" pitchFamily="18" charset="0"/>
-                <a:cs typeface="Times New Roman" panose="02020603050405020304" pitchFamily="18" charset="0"/>
-              </a:rPr>
-              <a:t/>
-            </a:r>
-            <a:br>
-              <a:rPr lang="en-GB" sz="2400" dirty="0" smtClean="0">
-                <a:solidFill>
-                  <a:srgbClr val="FFFFFF"/>
-                </a:solidFill>
-                <a:latin typeface="Times New Roman" panose="02020603050405020304" pitchFamily="18" charset="0"/>
-                <a:cs typeface="Times New Roman" panose="02020603050405020304" pitchFamily="18" charset="0"/>
-              </a:rPr>
-            </a:br>
-            <a:r>
-              <a:rPr lang="en-GB" sz="2400" dirty="0" smtClean="0">
-                <a:solidFill>
-                  <a:srgbClr val="FFFFFF"/>
-                </a:solidFill>
-                <a:latin typeface="Times New Roman" panose="02020603050405020304" pitchFamily="18" charset="0"/>
-                <a:cs typeface="Times New Roman" panose="02020603050405020304" pitchFamily="18" charset="0"/>
-              </a:rPr>
-              <a:t>There </a:t>
-            </a:r>
-            <a:r>
               <a:rPr lang="en-GB" sz="2400" dirty="0">
                 <a:solidFill>
-                  <a:srgbClr val="FFFFFF"/>
+                  <a:schemeClr val="bg1"/>
                 </a:solidFill>
-                <a:latin typeface="Times New Roman" panose="02020603050405020304" pitchFamily="18" charset="0"/>
-                <a:cs typeface="Times New Roman" panose="02020603050405020304" pitchFamily="18" charset="0"/>
-              </a:rPr>
-              <a:t>are other factors that contributed to the rating:</a:t>
-            </a:r>
-            <a:r>
-              <a:rPr lang="en-GB" sz="2400" dirty="0">
-                <a:solidFill>
-                  <a:srgbClr val="FFFFFF"/>
-                </a:solidFill>
-                <a:latin typeface="Times New Roman" panose="02020603050405020304" pitchFamily="18" charset="0"/>
-                <a:cs typeface="Times New Roman" panose="02020603050405020304" pitchFamily="18" charset="0"/>
+                <a:latin typeface="New Tmes Roman"/>
               </a:rPr>
               <a:t/>
             </a:r>
             <a:br>
               <a:rPr lang="en-GB" sz="2400" dirty="0">
                 <a:solidFill>
-                  <a:srgbClr val="FFFFFF"/>
+                  <a:schemeClr val="bg1"/>
                 </a:solidFill>
-                <a:latin typeface="Times New Roman" panose="02020603050405020304" pitchFamily="18" charset="0"/>
-                <a:cs typeface="Times New Roman" panose="02020603050405020304" pitchFamily="18" charset="0"/>
+                <a:latin typeface="New Tmes Roman"/>
               </a:rPr>
             </a:br>
             <a:r>
               <a:rPr lang="en-GB" sz="2400" dirty="0">
                 <a:solidFill>
-                  <a:srgbClr val="FFFFFF"/>
+                  <a:schemeClr val="bg1"/>
                 </a:solidFill>
-                <a:latin typeface="Times New Roman" panose="02020603050405020304" pitchFamily="18" charset="0"/>
-                <a:cs typeface="Times New Roman" panose="02020603050405020304" pitchFamily="18" charset="0"/>
+                <a:latin typeface="New Tmes Roman"/>
+              </a:rPr>
+              <a:t>There are other factors that contributed to the rating:</a:t>
+            </a:r>
+            <a:r>
+              <a:rPr lang="en-GB" sz="2400" dirty="0">
+                <a:solidFill>
+                  <a:schemeClr val="bg1"/>
+                </a:solidFill>
+                <a:latin typeface="New Tmes Roman"/>
+              </a:rPr>
+              <a:t/>
+            </a:r>
+            <a:br>
+              <a:rPr lang="en-GB" sz="2400" dirty="0">
+                <a:solidFill>
+                  <a:schemeClr val="bg1"/>
+                </a:solidFill>
+                <a:latin typeface="New Tmes Roman"/>
+              </a:rPr>
+            </a:br>
+            <a:r>
+              <a:rPr lang="en-GB" sz="2400" dirty="0">
+                <a:solidFill>
+                  <a:schemeClr val="bg1"/>
+                </a:solidFill>
+                <a:latin typeface="New Tmes Roman"/>
               </a:rPr>
               <a:t>The expert's own intuition</a:t>
             </a:r>
             <a:r>
               <a:rPr lang="en-GB" sz="2400" dirty="0">
                 <a:solidFill>
-                  <a:srgbClr val="FFFFFF"/>
+                  <a:schemeClr val="bg1"/>
                 </a:solidFill>
-                <a:latin typeface="Times New Roman" panose="02020603050405020304" pitchFamily="18" charset="0"/>
-                <a:cs typeface="Times New Roman" panose="02020603050405020304" pitchFamily="18" charset="0"/>
+                <a:latin typeface="New Tmes Roman"/>
               </a:rPr>
               <a:t/>
             </a:r>
             <a:br>
               <a:rPr lang="en-GB" sz="2400" dirty="0">
                 <a:solidFill>
-                  <a:srgbClr val="FFFFFF"/>
+                  <a:schemeClr val="bg1"/>
                 </a:solidFill>
-                <a:latin typeface="Times New Roman" panose="02020603050405020304" pitchFamily="18" charset="0"/>
-                <a:cs typeface="Times New Roman" panose="02020603050405020304" pitchFamily="18" charset="0"/>
+                <a:latin typeface="New Tmes Roman"/>
               </a:rPr>
             </a:br>
             <a:r>
               <a:rPr lang="en-GB" sz="2400" dirty="0">
                 <a:solidFill>
-                  <a:srgbClr val="FFFFFF"/>
+                  <a:schemeClr val="bg1"/>
                 </a:solidFill>
-                <a:latin typeface="Times New Roman" panose="02020603050405020304" pitchFamily="18" charset="0"/>
-                <a:cs typeface="Times New Roman" panose="02020603050405020304" pitchFamily="18" charset="0"/>
+                <a:latin typeface="New Tmes Roman"/>
               </a:rPr>
               <a:t>The flavor of the chocolate</a:t>
             </a:r>
             <a:r>
               <a:rPr lang="en-GB" sz="2400" dirty="0">
                 <a:solidFill>
-                  <a:srgbClr val="FFFFFF"/>
+                  <a:schemeClr val="bg1"/>
                 </a:solidFill>
-                <a:latin typeface="Times New Roman" panose="02020603050405020304" pitchFamily="18" charset="0"/>
-                <a:cs typeface="Times New Roman" panose="02020603050405020304" pitchFamily="18" charset="0"/>
+                <a:latin typeface="New Tmes Roman"/>
               </a:rPr>
               <a:t/>
             </a:r>
             <a:br>
               <a:rPr lang="en-GB" sz="2400" dirty="0">
                 <a:solidFill>
-                  <a:srgbClr val="FFFFFF"/>
+                  <a:schemeClr val="bg1"/>
                 </a:solidFill>
-                <a:latin typeface="Times New Roman" panose="02020603050405020304" pitchFamily="18" charset="0"/>
-                <a:cs typeface="Times New Roman" panose="02020603050405020304" pitchFamily="18" charset="0"/>
+                <a:latin typeface="New Tmes Roman"/>
               </a:rPr>
             </a:br>
             <a:r>
               <a:rPr lang="en-GB" sz="2400" dirty="0">
                 <a:solidFill>
-                  <a:srgbClr val="FFFFFF"/>
+                  <a:schemeClr val="bg1"/>
                 </a:solidFill>
-                <a:latin typeface="Times New Roman" panose="02020603050405020304" pitchFamily="18" charset="0"/>
-                <a:cs typeface="Times New Roman" panose="02020603050405020304" pitchFamily="18" charset="0"/>
+                <a:latin typeface="New Tmes Roman"/>
               </a:rPr>
               <a:t>And others</a:t>
             </a:r>
             <a:endParaRPr lang="en-US" sz="2400" dirty="0">
               <a:solidFill>
-                <a:srgbClr val="FFFFFF"/>
+                <a:schemeClr val="bg1"/>
               </a:solidFill>
-              <a:latin typeface="Times New Roman" panose="02020603050405020304" pitchFamily="18" charset="0"/>
+              <a:latin typeface="New Tmes Roman"/>
               <a:cs typeface="Times New Roman" panose="02020603050405020304" pitchFamily="18" charset="0"/>
             </a:endParaRPr>
           </a:p>
@@ -10644,7 +10640,7 @@
     </p:spTree>
     <p:extLst>
       <p:ext uri="{BB962C8B-B14F-4D97-AF65-F5344CB8AC3E}">
-        <p14:creationId xmlns:p14="http://schemas.microsoft.com/office/powerpoint/2010/main" val="3096511680"/>
+        <p14:creationId xmlns:p14="http://schemas.microsoft.com/office/powerpoint/2010/main" val="1090474535"/>
       </p:ext>
     </p:extLst>
   </p:cSld>
@@ -11178,7 +11174,7 @@
             <a:r>
               <a:rPr lang="en-US" sz="3600" u="sng" dirty="0">
                 <a:solidFill>
-                  <a:srgbClr val="FFFFFF"/>
+                  <a:schemeClr val="bg1"/>
                 </a:solidFill>
                 <a:latin typeface="Times New Roman" panose="02020603050405020304" pitchFamily="18" charset="0"/>
                 <a:cs typeface="Times New Roman" panose="02020603050405020304" pitchFamily="18" charset="0"/>
@@ -11187,7 +11183,7 @@
             </a:r>
             <a:endParaRPr lang="en-GH" sz="3600" u="sng" dirty="0">
               <a:solidFill>
-                <a:srgbClr val="FFFFFF"/>
+                <a:schemeClr val="bg1"/>
               </a:solidFill>
               <a:latin typeface="Times New Roman" panose="02020603050405020304" pitchFamily="18" charset="0"/>
               <a:cs typeface="Times New Roman" panose="02020603050405020304" pitchFamily="18" charset="0"/>
@@ -11223,7 +11219,7 @@
           <a:p>
             <a:pPr marL="603250" indent="-457200">
               <a:buClr>
-                <a:srgbClr val="FFFFFF"/>
+                <a:schemeClr val="bg1"/>
               </a:buClr>
               <a:buFont typeface="Wingdings" panose="05000000000000000000" pitchFamily="2" charset="2"/>
               <a:buChar char="ü"/>
@@ -11265,7 +11261,7 @@
           <a:p>
             <a:pPr marL="603250" indent="-457200">
               <a:buClr>
-                <a:srgbClr val="FFFFFF"/>
+                <a:schemeClr val="bg1"/>
               </a:buClr>
               <a:buFont typeface="Wingdings" panose="05000000000000000000" pitchFamily="2" charset="2"/>
               <a:buChar char="ü"/>
@@ -11284,7 +11280,7 @@
           <a:p>
             <a:pPr marL="603250" indent="-457200">
               <a:buClr>
-                <a:srgbClr val="FFFFFF"/>
+                <a:schemeClr val="bg1"/>
               </a:buClr>
               <a:buFont typeface="Wingdings" panose="05000000000000000000" pitchFamily="2" charset="2"/>
               <a:buChar char="ü"/>
@@ -11313,7 +11309,7 @@
           <a:p>
             <a:pPr marL="603250" indent="-457200">
               <a:buClr>
-                <a:srgbClr val="FFFFFF"/>
+                <a:schemeClr val="bg1"/>
               </a:buClr>
               <a:buFont typeface="Wingdings" panose="05000000000000000000" pitchFamily="2" charset="2"/>
               <a:buChar char="ü"/>
@@ -11361,6 +11357,13 @@
       </p:transition>
     </mc:Fallback>
   </mc:AlternateContent>
+  <p:timing>
+    <p:tnLst>
+      <p:par>
+        <p:cTn id="1" dur="indefinite" restart="never" nodeType="tmRoot"/>
+      </p:par>
+    </p:tnLst>
+  </p:timing>
 </p:sld>
 </file>
 
@@ -11606,19 +11609,17 @@
             <a:r>
               <a:rPr lang="en-US" sz="4400" u="sng" dirty="0">
                 <a:solidFill>
-                  <a:srgbClr val="FFFFFF"/>
+                  <a:schemeClr val="bg1"/>
                 </a:solidFill>
-                <a:latin typeface="Times New Roman" panose="02020603050405020304" pitchFamily="18" charset="0"/>
-                <a:cs typeface="Times New Roman" panose="02020603050405020304" pitchFamily="18" charset="0"/>
+                <a:latin typeface="New Tmes Roman"/>
               </a:rPr>
               <a:t>Hypothesis</a:t>
             </a:r>
             <a:endParaRPr lang="en-GH" sz="4400" u="sng" dirty="0">
               <a:solidFill>
-                <a:srgbClr val="FFFFFF"/>
+                <a:schemeClr val="bg1"/>
               </a:solidFill>
-              <a:latin typeface="Times New Roman" panose="02020603050405020304" pitchFamily="18" charset="0"/>
-              <a:cs typeface="Times New Roman" panose="02020603050405020304" pitchFamily="18" charset="0"/>
+              <a:latin typeface="New Tmes Roman"/>
             </a:endParaRPr>
           </a:p>
         </p:txBody>
@@ -11791,7 +11792,7 @@
               <a:buChar char="•"/>
             </a:pPr>
             <a:r>
-              <a:rPr lang="en-US" sz="2400" b="1" dirty="0">
+              <a:rPr lang="en-US" sz="2800" b="1" dirty="0">
                 <a:solidFill>
                   <a:srgbClr val="FFFFFF"/>
                 </a:solidFill>
@@ -11814,7 +11815,7 @@
               </a:spcAft>
             </a:pPr>
             <a:r>
-              <a:rPr lang="en-US" sz="2400" b="1" dirty="0">
+              <a:rPr lang="en-US" sz="2800" b="1" dirty="0">
                 <a:solidFill>
                   <a:srgbClr val="FFFFFF"/>
                 </a:solidFill>
@@ -11836,7 +11837,7 @@
                 <a:spcPct val="15000"/>
               </a:spcAft>
             </a:pPr>
-            <a:endParaRPr lang="en-GB" sz="2400" b="1" dirty="0">
+            <a:endParaRPr lang="en-US" sz="2400" b="1" dirty="0">
               <a:solidFill>
                 <a:srgbClr val="FFFFFF"/>
               </a:solidFill>
@@ -11879,7 +11880,7 @@
               <a:buChar char="•"/>
             </a:pPr>
             <a:r>
-              <a:rPr lang="en-US" sz="2400" b="1" dirty="0">
+              <a:rPr lang="en-US" sz="2800" b="1" dirty="0">
                 <a:solidFill>
                   <a:srgbClr val="FFFFFF"/>
                 </a:solidFill>
@@ -11902,16 +11903,6 @@
               </a:spcAft>
             </a:pPr>
             <a:r>
-              <a:rPr lang="en-US" sz="2400" b="1" dirty="0">
-                <a:solidFill>
-                  <a:srgbClr val="FFFFFF"/>
-                </a:solidFill>
-                <a:latin typeface="Times New Roman" panose="02020603050405020304" pitchFamily="18" charset="0"/>
-                <a:cs typeface="Times New Roman" panose="02020603050405020304" pitchFamily="18" charset="0"/>
-              </a:rPr>
-              <a:t>	There is a positive relationship between the percentage of cocoa in the chocolate bar and the expert rating given</a:t>
-            </a:r>
-            <a:r>
               <a:rPr lang="en-US" sz="2800" b="1" dirty="0">
                 <a:solidFill>
                   <a:srgbClr val="FFFFFF"/>
@@ -11919,11 +11910,11 @@
                 <a:latin typeface="Times New Roman" panose="02020603050405020304" pitchFamily="18" charset="0"/>
                 <a:cs typeface="Times New Roman" panose="02020603050405020304" pitchFamily="18" charset="0"/>
               </a:rPr>
-              <a:t>.</a:t>
+              <a:t>	There is a positive relationship between the percentage of cocoa in the chocolate bar and the expert rating given.</a:t>
             </a:r>
           </a:p>
           <a:p>
-            <a:pPr marL="0" lvl="1" defTabSz="622255">
+            <a:pPr marL="342874" lvl="1" indent="-342874" defTabSz="622255">
               <a:lnSpc>
                 <a:spcPct val="90000"/>
               </a:lnSpc>
@@ -11933,6 +11924,8 @@
               <a:spcAft>
                 <a:spcPct val="15000"/>
               </a:spcAft>
+              <a:buFont typeface="Wingdings" panose="05000000000000000000" pitchFamily="2" charset="2"/>
+              <a:buChar char="Ø"/>
             </a:pPr>
             <a:endParaRPr lang="en-GH" sz="2400" dirty="0">
               <a:solidFill>
@@ -11961,6 +11954,13 @@
       </p:transition>
     </mc:Fallback>
   </mc:AlternateContent>
+  <p:timing>
+    <p:tnLst>
+      <p:par>
+        <p:cTn id="1" dur="indefinite" restart="never" nodeType="tmRoot"/>
+      </p:par>
+    </p:tnLst>
+  </p:timing>
 </p:sld>
 </file>
 
@@ -12648,6 +12648,13 @@
       </p:transition>
     </mc:Fallback>
   </mc:AlternateContent>
+  <p:timing>
+    <p:tnLst>
+      <p:par>
+        <p:cTn id="1" dur="indefinite" restart="never" nodeType="tmRoot"/>
+      </p:par>
+    </p:tnLst>
+  </p:timing>
 </p:sld>
 </file>
 
@@ -13080,6 +13087,13 @@
       </p:transition>
     </mc:Fallback>
   </mc:AlternateContent>
+  <p:timing>
+    <p:tnLst>
+      <p:par>
+        <p:cTn id="1" dur="indefinite" restart="never" nodeType="tmRoot"/>
+      </p:par>
+    </p:tnLst>
+  </p:timing>
 </p:sld>
 </file>
 
@@ -13537,6 +13551,13 @@
       </p:transition>
     </mc:Fallback>
   </mc:AlternateContent>
+  <p:timing>
+    <p:tnLst>
+      <p:par>
+        <p:cTn id="1" dur="indefinite" restart="never" nodeType="tmRoot"/>
+      </p:par>
+    </p:tnLst>
+  </p:timing>
 </p:sld>
 </file>
 
@@ -14007,6 +14028,13 @@
       </p:transition>
     </mc:Fallback>
   </mc:AlternateContent>
+  <p:timing>
+    <p:tnLst>
+      <p:par>
+        <p:cTn id="1" dur="indefinite" restart="never" nodeType="tmRoot"/>
+      </p:par>
+    </p:tnLst>
+  </p:timing>
 </p:sld>
 </file>
 
@@ -14487,6 +14515,13 @@
       </p:transition>
     </mc:Fallback>
   </mc:AlternateContent>
+  <p:timing>
+    <p:tnLst>
+      <p:par>
+        <p:cTn id="1" dur="indefinite" restart="never" nodeType="tmRoot"/>
+      </p:par>
+    </p:tnLst>
+  </p:timing>
 </p:sld>
 </file>
 
@@ -14926,6 +14961,13 @@
       </p:transition>
     </mc:Fallback>
   </mc:AlternateContent>
+  <p:timing>
+    <p:tnLst>
+      <p:par>
+        <p:cTn id="1" dur="indefinite" restart="never" nodeType="tmRoot"/>
+      </p:par>
+    </p:tnLst>
+  </p:timing>
 </p:sld>
 </file>
 
